--- a/1st-Sem-Chem-Cycle/Subject_Files/chemistry/Unit 4/Unit 5 Class 46 - Structure property relationship.pptx
+++ b/1st-Sem-Chem-Cycle/Subject_Files/chemistry/Unit 4/Unit 5 Class 46 - Structure property relationship.pptx
@@ -121,7 +121,7 @@
   </p:defaultTextStyle>
   <p:extLst>
     <p:ext uri="{EFAFB233-063F-42B5-8137-9DF3F51BA10A}">
-      <p15:sldGuideLst xmlns:p15="http://schemas.microsoft.com/office/powerpoint/2012/main" xmlns="">
+      <p15:sldGuideLst xmlns:p15="http://schemas.microsoft.com/office/powerpoint/2012/main">
         <p15:guide id="1" orient="horz" pos="2160">
           <p15:clr>
             <a:srgbClr val="A4A3A4"/>
@@ -176,7 +176,7 @@
           <p:cNvPr id="2" name="Title 1">
             <a:extLst>
               <a:ext uri="{FF2B5EF4-FFF2-40B4-BE49-F238E27FC236}">
-                <a16:creationId xmlns:a16="http://schemas.microsoft.com/office/drawing/2014/main" xmlns="" id="{52EC3D4B-626B-4009-8192-CEAEED1423ED}"/>
+                <a16:creationId xmlns:a16="http://schemas.microsoft.com/office/drawing/2014/main" id="{52EC3D4B-626B-4009-8192-CEAEED1423ED}"/>
               </a:ext>
             </a:extLst>
           </p:cNvPr>
@@ -214,7 +214,7 @@
           <p:cNvPr id="3" name="Subtitle 2">
             <a:extLst>
               <a:ext uri="{FF2B5EF4-FFF2-40B4-BE49-F238E27FC236}">
-                <a16:creationId xmlns:a16="http://schemas.microsoft.com/office/drawing/2014/main" xmlns="" id="{6A51827C-B164-4C81-9990-CA48A6D6954F}"/>
+                <a16:creationId xmlns:a16="http://schemas.microsoft.com/office/drawing/2014/main" id="{6A51827C-B164-4C81-9990-CA48A6D6954F}"/>
               </a:ext>
             </a:extLst>
           </p:cNvPr>
@@ -285,7 +285,7 @@
           <p:cNvPr id="4" name="Date Placeholder 3">
             <a:extLst>
               <a:ext uri="{FF2B5EF4-FFF2-40B4-BE49-F238E27FC236}">
-                <a16:creationId xmlns:a16="http://schemas.microsoft.com/office/drawing/2014/main" xmlns="" id="{507DF93E-677D-48F6-8B5A-46E43F2C154F}"/>
+                <a16:creationId xmlns:a16="http://schemas.microsoft.com/office/drawing/2014/main" id="{507DF93E-677D-48F6-8B5A-46E43F2C154F}"/>
               </a:ext>
             </a:extLst>
           </p:cNvPr>
@@ -304,7 +304,7 @@
             <a:fld id="{C0697723-E498-4D64-BBB6-490ED1364AC9}" type="datetimeFigureOut">
               <a:rPr lang="en-IN" smtClean="0"/>
               <a:pPr/>
-              <a:t>23-01-2023</a:t>
+              <a:t>25-01-2025</a:t>
             </a:fld>
             <a:endParaRPr lang="en-IN"/>
           </a:p>
@@ -315,7 +315,7 @@
           <p:cNvPr id="5" name="Footer Placeholder 4">
             <a:extLst>
               <a:ext uri="{FF2B5EF4-FFF2-40B4-BE49-F238E27FC236}">
-                <a16:creationId xmlns:a16="http://schemas.microsoft.com/office/drawing/2014/main" xmlns="" id="{B1DF4446-763D-4DB5-A60E-E76234DDA4B8}"/>
+                <a16:creationId xmlns:a16="http://schemas.microsoft.com/office/drawing/2014/main" id="{B1DF4446-763D-4DB5-A60E-E76234DDA4B8}"/>
               </a:ext>
             </a:extLst>
           </p:cNvPr>
@@ -340,7 +340,7 @@
           <p:cNvPr id="6" name="Slide Number Placeholder 5">
             <a:extLst>
               <a:ext uri="{FF2B5EF4-FFF2-40B4-BE49-F238E27FC236}">
-                <a16:creationId xmlns:a16="http://schemas.microsoft.com/office/drawing/2014/main" xmlns="" id="{E782FF9A-F0E6-4BE5-A785-09D93A759624}"/>
+                <a16:creationId xmlns:a16="http://schemas.microsoft.com/office/drawing/2014/main" id="{E782FF9A-F0E6-4BE5-A785-09D93A759624}"/>
               </a:ext>
             </a:extLst>
           </p:cNvPr>
@@ -400,7 +400,7 @@
           <p:cNvPr id="2" name="Title 1">
             <a:extLst>
               <a:ext uri="{FF2B5EF4-FFF2-40B4-BE49-F238E27FC236}">
-                <a16:creationId xmlns:a16="http://schemas.microsoft.com/office/drawing/2014/main" xmlns="" id="{9BEE96CC-24D7-4AC0-845A-98CA572FE6D7}"/>
+                <a16:creationId xmlns:a16="http://schemas.microsoft.com/office/drawing/2014/main" id="{9BEE96CC-24D7-4AC0-845A-98CA572FE6D7}"/>
               </a:ext>
             </a:extLst>
           </p:cNvPr>
@@ -429,7 +429,7 @@
           <p:cNvPr id="3" name="Vertical Text Placeholder 2">
             <a:extLst>
               <a:ext uri="{FF2B5EF4-FFF2-40B4-BE49-F238E27FC236}">
-                <a16:creationId xmlns:a16="http://schemas.microsoft.com/office/drawing/2014/main" xmlns="" id="{E2261921-3E80-4007-9849-91F4F1D9CF42}"/>
+                <a16:creationId xmlns:a16="http://schemas.microsoft.com/office/drawing/2014/main" id="{E2261921-3E80-4007-9849-91F4F1D9CF42}"/>
               </a:ext>
             </a:extLst>
           </p:cNvPr>
@@ -487,7 +487,7 @@
           <p:cNvPr id="4" name="Date Placeholder 3">
             <a:extLst>
               <a:ext uri="{FF2B5EF4-FFF2-40B4-BE49-F238E27FC236}">
-                <a16:creationId xmlns:a16="http://schemas.microsoft.com/office/drawing/2014/main" xmlns="" id="{26A091F3-2079-48AC-A58B-4C729775D003}"/>
+                <a16:creationId xmlns:a16="http://schemas.microsoft.com/office/drawing/2014/main" id="{26A091F3-2079-48AC-A58B-4C729775D003}"/>
               </a:ext>
             </a:extLst>
           </p:cNvPr>
@@ -506,7 +506,7 @@
             <a:fld id="{C0697723-E498-4D64-BBB6-490ED1364AC9}" type="datetimeFigureOut">
               <a:rPr lang="en-IN" smtClean="0"/>
               <a:pPr/>
-              <a:t>23-01-2023</a:t>
+              <a:t>25-01-2025</a:t>
             </a:fld>
             <a:endParaRPr lang="en-IN"/>
           </a:p>
@@ -517,7 +517,7 @@
           <p:cNvPr id="5" name="Footer Placeholder 4">
             <a:extLst>
               <a:ext uri="{FF2B5EF4-FFF2-40B4-BE49-F238E27FC236}">
-                <a16:creationId xmlns:a16="http://schemas.microsoft.com/office/drawing/2014/main" xmlns="" id="{42536A67-7BBF-4557-B86C-E3D43DA80591}"/>
+                <a16:creationId xmlns:a16="http://schemas.microsoft.com/office/drawing/2014/main" id="{42536A67-7BBF-4557-B86C-E3D43DA80591}"/>
               </a:ext>
             </a:extLst>
           </p:cNvPr>
@@ -542,7 +542,7 @@
           <p:cNvPr id="6" name="Slide Number Placeholder 5">
             <a:extLst>
               <a:ext uri="{FF2B5EF4-FFF2-40B4-BE49-F238E27FC236}">
-                <a16:creationId xmlns:a16="http://schemas.microsoft.com/office/drawing/2014/main" xmlns="" id="{87DF2A7F-20B3-4FEC-B2FB-22B3B56A9620}"/>
+                <a16:creationId xmlns:a16="http://schemas.microsoft.com/office/drawing/2014/main" id="{87DF2A7F-20B3-4FEC-B2FB-22B3B56A9620}"/>
               </a:ext>
             </a:extLst>
           </p:cNvPr>
@@ -602,7 +602,7 @@
           <p:cNvPr id="2" name="Vertical Title 1">
             <a:extLst>
               <a:ext uri="{FF2B5EF4-FFF2-40B4-BE49-F238E27FC236}">
-                <a16:creationId xmlns:a16="http://schemas.microsoft.com/office/drawing/2014/main" xmlns="" id="{FC974505-5F88-4C68-B044-B90A875A128E}"/>
+                <a16:creationId xmlns:a16="http://schemas.microsoft.com/office/drawing/2014/main" id="{FC974505-5F88-4C68-B044-B90A875A128E}"/>
               </a:ext>
             </a:extLst>
           </p:cNvPr>
@@ -636,7 +636,7 @@
           <p:cNvPr id="3" name="Vertical Text Placeholder 2">
             <a:extLst>
               <a:ext uri="{FF2B5EF4-FFF2-40B4-BE49-F238E27FC236}">
-                <a16:creationId xmlns:a16="http://schemas.microsoft.com/office/drawing/2014/main" xmlns="" id="{98154938-180F-400A-A444-2DAC9B404CB0}"/>
+                <a16:creationId xmlns:a16="http://schemas.microsoft.com/office/drawing/2014/main" id="{98154938-180F-400A-A444-2DAC9B404CB0}"/>
               </a:ext>
             </a:extLst>
           </p:cNvPr>
@@ -699,7 +699,7 @@
           <p:cNvPr id="4" name="Date Placeholder 3">
             <a:extLst>
               <a:ext uri="{FF2B5EF4-FFF2-40B4-BE49-F238E27FC236}">
-                <a16:creationId xmlns:a16="http://schemas.microsoft.com/office/drawing/2014/main" xmlns="" id="{C744BC1C-22DF-43AD-B4A1-B55EB4C01F8A}"/>
+                <a16:creationId xmlns:a16="http://schemas.microsoft.com/office/drawing/2014/main" id="{C744BC1C-22DF-43AD-B4A1-B55EB4C01F8A}"/>
               </a:ext>
             </a:extLst>
           </p:cNvPr>
@@ -718,7 +718,7 @@
             <a:fld id="{C0697723-E498-4D64-BBB6-490ED1364AC9}" type="datetimeFigureOut">
               <a:rPr lang="en-IN" smtClean="0"/>
               <a:pPr/>
-              <a:t>23-01-2023</a:t>
+              <a:t>25-01-2025</a:t>
             </a:fld>
             <a:endParaRPr lang="en-IN"/>
           </a:p>
@@ -729,7 +729,7 @@
           <p:cNvPr id="5" name="Footer Placeholder 4">
             <a:extLst>
               <a:ext uri="{FF2B5EF4-FFF2-40B4-BE49-F238E27FC236}">
-                <a16:creationId xmlns:a16="http://schemas.microsoft.com/office/drawing/2014/main" xmlns="" id="{1C439F43-011E-4BE1-A79A-17FE1495CC2F}"/>
+                <a16:creationId xmlns:a16="http://schemas.microsoft.com/office/drawing/2014/main" id="{1C439F43-011E-4BE1-A79A-17FE1495CC2F}"/>
               </a:ext>
             </a:extLst>
           </p:cNvPr>
@@ -754,7 +754,7 @@
           <p:cNvPr id="6" name="Slide Number Placeholder 5">
             <a:extLst>
               <a:ext uri="{FF2B5EF4-FFF2-40B4-BE49-F238E27FC236}">
-                <a16:creationId xmlns:a16="http://schemas.microsoft.com/office/drawing/2014/main" xmlns="" id="{A3025448-2680-4648-B696-07B726E5BEA4}"/>
+                <a16:creationId xmlns:a16="http://schemas.microsoft.com/office/drawing/2014/main" id="{A3025448-2680-4648-B696-07B726E5BEA4}"/>
               </a:ext>
             </a:extLst>
           </p:cNvPr>
@@ -814,7 +814,7 @@
           <p:cNvPr id="2" name="Title 1">
             <a:extLst>
               <a:ext uri="{FF2B5EF4-FFF2-40B4-BE49-F238E27FC236}">
-                <a16:creationId xmlns:a16="http://schemas.microsoft.com/office/drawing/2014/main" xmlns="" id="{617E7D49-DB18-4481-BBAD-3CCDB0B6E136}"/>
+                <a16:creationId xmlns:a16="http://schemas.microsoft.com/office/drawing/2014/main" id="{617E7D49-DB18-4481-BBAD-3CCDB0B6E136}"/>
               </a:ext>
             </a:extLst>
           </p:cNvPr>
@@ -843,7 +843,7 @@
           <p:cNvPr id="3" name="Content Placeholder 2">
             <a:extLst>
               <a:ext uri="{FF2B5EF4-FFF2-40B4-BE49-F238E27FC236}">
-                <a16:creationId xmlns:a16="http://schemas.microsoft.com/office/drawing/2014/main" xmlns="" id="{37B48B0F-E770-4648-80B0-0B9A177348F8}"/>
+                <a16:creationId xmlns:a16="http://schemas.microsoft.com/office/drawing/2014/main" id="{37B48B0F-E770-4648-80B0-0B9A177348F8}"/>
               </a:ext>
             </a:extLst>
           </p:cNvPr>
@@ -901,7 +901,7 @@
           <p:cNvPr id="4" name="Date Placeholder 3">
             <a:extLst>
               <a:ext uri="{FF2B5EF4-FFF2-40B4-BE49-F238E27FC236}">
-                <a16:creationId xmlns:a16="http://schemas.microsoft.com/office/drawing/2014/main" xmlns="" id="{8689BBA6-35F4-4C69-B817-8B6D5B3C7F64}"/>
+                <a16:creationId xmlns:a16="http://schemas.microsoft.com/office/drawing/2014/main" id="{8689BBA6-35F4-4C69-B817-8B6D5B3C7F64}"/>
               </a:ext>
             </a:extLst>
           </p:cNvPr>
@@ -920,7 +920,7 @@
             <a:fld id="{C0697723-E498-4D64-BBB6-490ED1364AC9}" type="datetimeFigureOut">
               <a:rPr lang="en-IN" smtClean="0"/>
               <a:pPr/>
-              <a:t>23-01-2023</a:t>
+              <a:t>25-01-2025</a:t>
             </a:fld>
             <a:endParaRPr lang="en-IN"/>
           </a:p>
@@ -931,7 +931,7 @@
           <p:cNvPr id="5" name="Footer Placeholder 4">
             <a:extLst>
               <a:ext uri="{FF2B5EF4-FFF2-40B4-BE49-F238E27FC236}">
-                <a16:creationId xmlns:a16="http://schemas.microsoft.com/office/drawing/2014/main" xmlns="" id="{1F6B119B-E4E0-4014-B1F1-495E208A0C63}"/>
+                <a16:creationId xmlns:a16="http://schemas.microsoft.com/office/drawing/2014/main" id="{1F6B119B-E4E0-4014-B1F1-495E208A0C63}"/>
               </a:ext>
             </a:extLst>
           </p:cNvPr>
@@ -956,7 +956,7 @@
           <p:cNvPr id="6" name="Slide Number Placeholder 5">
             <a:extLst>
               <a:ext uri="{FF2B5EF4-FFF2-40B4-BE49-F238E27FC236}">
-                <a16:creationId xmlns:a16="http://schemas.microsoft.com/office/drawing/2014/main" xmlns="" id="{19B45A5E-AE1B-4A92-B64A-2F8A4786E1A2}"/>
+                <a16:creationId xmlns:a16="http://schemas.microsoft.com/office/drawing/2014/main" id="{19B45A5E-AE1B-4A92-B64A-2F8A4786E1A2}"/>
               </a:ext>
             </a:extLst>
           </p:cNvPr>
@@ -1016,7 +1016,7 @@
           <p:cNvPr id="2" name="Title 1">
             <a:extLst>
               <a:ext uri="{FF2B5EF4-FFF2-40B4-BE49-F238E27FC236}">
-                <a16:creationId xmlns:a16="http://schemas.microsoft.com/office/drawing/2014/main" xmlns="" id="{B208196D-BED0-4BD8-AB4C-B2B3CCC7D5E0}"/>
+                <a16:creationId xmlns:a16="http://schemas.microsoft.com/office/drawing/2014/main" id="{B208196D-BED0-4BD8-AB4C-B2B3CCC7D5E0}"/>
               </a:ext>
             </a:extLst>
           </p:cNvPr>
@@ -1054,7 +1054,7 @@
           <p:cNvPr id="3" name="Text Placeholder 2">
             <a:extLst>
               <a:ext uri="{FF2B5EF4-FFF2-40B4-BE49-F238E27FC236}">
-                <a16:creationId xmlns:a16="http://schemas.microsoft.com/office/drawing/2014/main" xmlns="" id="{0CC613EC-F0A0-4466-A6C2-D28B863D15D2}"/>
+                <a16:creationId xmlns:a16="http://schemas.microsoft.com/office/drawing/2014/main" id="{0CC613EC-F0A0-4466-A6C2-D28B863D15D2}"/>
               </a:ext>
             </a:extLst>
           </p:cNvPr>
@@ -1179,7 +1179,7 @@
           <p:cNvPr id="4" name="Date Placeholder 3">
             <a:extLst>
               <a:ext uri="{FF2B5EF4-FFF2-40B4-BE49-F238E27FC236}">
-                <a16:creationId xmlns:a16="http://schemas.microsoft.com/office/drawing/2014/main" xmlns="" id="{A3CF7A95-22EE-4F22-AEDA-C190D2F87D01}"/>
+                <a16:creationId xmlns:a16="http://schemas.microsoft.com/office/drawing/2014/main" id="{A3CF7A95-22EE-4F22-AEDA-C190D2F87D01}"/>
               </a:ext>
             </a:extLst>
           </p:cNvPr>
@@ -1198,7 +1198,7 @@
             <a:fld id="{C0697723-E498-4D64-BBB6-490ED1364AC9}" type="datetimeFigureOut">
               <a:rPr lang="en-IN" smtClean="0"/>
               <a:pPr/>
-              <a:t>23-01-2023</a:t>
+              <a:t>25-01-2025</a:t>
             </a:fld>
             <a:endParaRPr lang="en-IN"/>
           </a:p>
@@ -1209,7 +1209,7 @@
           <p:cNvPr id="5" name="Footer Placeholder 4">
             <a:extLst>
               <a:ext uri="{FF2B5EF4-FFF2-40B4-BE49-F238E27FC236}">
-                <a16:creationId xmlns:a16="http://schemas.microsoft.com/office/drawing/2014/main" xmlns="" id="{7C385F91-0601-4D65-A3E8-CFDC20A77501}"/>
+                <a16:creationId xmlns:a16="http://schemas.microsoft.com/office/drawing/2014/main" id="{7C385F91-0601-4D65-A3E8-CFDC20A77501}"/>
               </a:ext>
             </a:extLst>
           </p:cNvPr>
@@ -1234,7 +1234,7 @@
           <p:cNvPr id="6" name="Slide Number Placeholder 5">
             <a:extLst>
               <a:ext uri="{FF2B5EF4-FFF2-40B4-BE49-F238E27FC236}">
-                <a16:creationId xmlns:a16="http://schemas.microsoft.com/office/drawing/2014/main" xmlns="" id="{88D0A9F0-9DDE-4015-8C5C-5C9D6B60DDA0}"/>
+                <a16:creationId xmlns:a16="http://schemas.microsoft.com/office/drawing/2014/main" id="{88D0A9F0-9DDE-4015-8C5C-5C9D6B60DDA0}"/>
               </a:ext>
             </a:extLst>
           </p:cNvPr>
@@ -1294,7 +1294,7 @@
           <p:cNvPr id="2" name="Title 1">
             <a:extLst>
               <a:ext uri="{FF2B5EF4-FFF2-40B4-BE49-F238E27FC236}">
-                <a16:creationId xmlns:a16="http://schemas.microsoft.com/office/drawing/2014/main" xmlns="" id="{708E85AF-03C6-4B44-A538-43B0427D31F4}"/>
+                <a16:creationId xmlns:a16="http://schemas.microsoft.com/office/drawing/2014/main" id="{708E85AF-03C6-4B44-A538-43B0427D31F4}"/>
               </a:ext>
             </a:extLst>
           </p:cNvPr>
@@ -1323,7 +1323,7 @@
           <p:cNvPr id="3" name="Content Placeholder 2">
             <a:extLst>
               <a:ext uri="{FF2B5EF4-FFF2-40B4-BE49-F238E27FC236}">
-                <a16:creationId xmlns:a16="http://schemas.microsoft.com/office/drawing/2014/main" xmlns="" id="{83C33EE5-59F6-4A1A-AE1E-8765B2B76361}"/>
+                <a16:creationId xmlns:a16="http://schemas.microsoft.com/office/drawing/2014/main" id="{83C33EE5-59F6-4A1A-AE1E-8765B2B76361}"/>
               </a:ext>
             </a:extLst>
           </p:cNvPr>
@@ -1386,7 +1386,7 @@
           <p:cNvPr id="4" name="Content Placeholder 3">
             <a:extLst>
               <a:ext uri="{FF2B5EF4-FFF2-40B4-BE49-F238E27FC236}">
-                <a16:creationId xmlns:a16="http://schemas.microsoft.com/office/drawing/2014/main" xmlns="" id="{1D9D6861-A242-46E3-9BF3-A0C8A8DBB45B}"/>
+                <a16:creationId xmlns:a16="http://schemas.microsoft.com/office/drawing/2014/main" id="{1D9D6861-A242-46E3-9BF3-A0C8A8DBB45B}"/>
               </a:ext>
             </a:extLst>
           </p:cNvPr>
@@ -1449,7 +1449,7 @@
           <p:cNvPr id="5" name="Date Placeholder 4">
             <a:extLst>
               <a:ext uri="{FF2B5EF4-FFF2-40B4-BE49-F238E27FC236}">
-                <a16:creationId xmlns:a16="http://schemas.microsoft.com/office/drawing/2014/main" xmlns="" id="{6A9D4037-319B-46C2-9889-B7EE91425689}"/>
+                <a16:creationId xmlns:a16="http://schemas.microsoft.com/office/drawing/2014/main" id="{6A9D4037-319B-46C2-9889-B7EE91425689}"/>
               </a:ext>
             </a:extLst>
           </p:cNvPr>
@@ -1468,7 +1468,7 @@
             <a:fld id="{C0697723-E498-4D64-BBB6-490ED1364AC9}" type="datetimeFigureOut">
               <a:rPr lang="en-IN" smtClean="0"/>
               <a:pPr/>
-              <a:t>23-01-2023</a:t>
+              <a:t>25-01-2025</a:t>
             </a:fld>
             <a:endParaRPr lang="en-IN"/>
           </a:p>
@@ -1479,7 +1479,7 @@
           <p:cNvPr id="6" name="Footer Placeholder 5">
             <a:extLst>
               <a:ext uri="{FF2B5EF4-FFF2-40B4-BE49-F238E27FC236}">
-                <a16:creationId xmlns:a16="http://schemas.microsoft.com/office/drawing/2014/main" xmlns="" id="{C1EE4E15-6B43-42E0-9689-9D809E7745C4}"/>
+                <a16:creationId xmlns:a16="http://schemas.microsoft.com/office/drawing/2014/main" id="{C1EE4E15-6B43-42E0-9689-9D809E7745C4}"/>
               </a:ext>
             </a:extLst>
           </p:cNvPr>
@@ -1504,7 +1504,7 @@
           <p:cNvPr id="7" name="Slide Number Placeholder 6">
             <a:extLst>
               <a:ext uri="{FF2B5EF4-FFF2-40B4-BE49-F238E27FC236}">
-                <a16:creationId xmlns:a16="http://schemas.microsoft.com/office/drawing/2014/main" xmlns="" id="{9E5B8A2C-7787-42C7-9053-9FAC49800765}"/>
+                <a16:creationId xmlns:a16="http://schemas.microsoft.com/office/drawing/2014/main" id="{9E5B8A2C-7787-42C7-9053-9FAC49800765}"/>
               </a:ext>
             </a:extLst>
           </p:cNvPr>
@@ -1564,7 +1564,7 @@
           <p:cNvPr id="2" name="Title 1">
             <a:extLst>
               <a:ext uri="{FF2B5EF4-FFF2-40B4-BE49-F238E27FC236}">
-                <a16:creationId xmlns:a16="http://schemas.microsoft.com/office/drawing/2014/main" xmlns="" id="{13FD7F82-17CF-402C-A83C-9BB0B0450C87}"/>
+                <a16:creationId xmlns:a16="http://schemas.microsoft.com/office/drawing/2014/main" id="{13FD7F82-17CF-402C-A83C-9BB0B0450C87}"/>
               </a:ext>
             </a:extLst>
           </p:cNvPr>
@@ -1598,7 +1598,7 @@
           <p:cNvPr id="3" name="Text Placeholder 2">
             <a:extLst>
               <a:ext uri="{FF2B5EF4-FFF2-40B4-BE49-F238E27FC236}">
-                <a16:creationId xmlns:a16="http://schemas.microsoft.com/office/drawing/2014/main" xmlns="" id="{AD6925B8-18E2-4648-9C7D-9A50568E686B}"/>
+                <a16:creationId xmlns:a16="http://schemas.microsoft.com/office/drawing/2014/main" id="{AD6925B8-18E2-4648-9C7D-9A50568E686B}"/>
               </a:ext>
             </a:extLst>
           </p:cNvPr>
@@ -1669,7 +1669,7 @@
           <p:cNvPr id="4" name="Content Placeholder 3">
             <a:extLst>
               <a:ext uri="{FF2B5EF4-FFF2-40B4-BE49-F238E27FC236}">
-                <a16:creationId xmlns:a16="http://schemas.microsoft.com/office/drawing/2014/main" xmlns="" id="{63ECAC91-5516-49CF-ABB2-BDCA1101D993}"/>
+                <a16:creationId xmlns:a16="http://schemas.microsoft.com/office/drawing/2014/main" id="{63ECAC91-5516-49CF-ABB2-BDCA1101D993}"/>
               </a:ext>
             </a:extLst>
           </p:cNvPr>
@@ -1732,7 +1732,7 @@
           <p:cNvPr id="5" name="Text Placeholder 4">
             <a:extLst>
               <a:ext uri="{FF2B5EF4-FFF2-40B4-BE49-F238E27FC236}">
-                <a16:creationId xmlns:a16="http://schemas.microsoft.com/office/drawing/2014/main" xmlns="" id="{A13B518C-5424-4D17-AE61-73B5540B3F5C}"/>
+                <a16:creationId xmlns:a16="http://schemas.microsoft.com/office/drawing/2014/main" id="{A13B518C-5424-4D17-AE61-73B5540B3F5C}"/>
               </a:ext>
             </a:extLst>
           </p:cNvPr>
@@ -1803,7 +1803,7 @@
           <p:cNvPr id="6" name="Content Placeholder 5">
             <a:extLst>
               <a:ext uri="{FF2B5EF4-FFF2-40B4-BE49-F238E27FC236}">
-                <a16:creationId xmlns:a16="http://schemas.microsoft.com/office/drawing/2014/main" xmlns="" id="{7418E488-5143-4637-878A-8024B768B637}"/>
+                <a16:creationId xmlns:a16="http://schemas.microsoft.com/office/drawing/2014/main" id="{7418E488-5143-4637-878A-8024B768B637}"/>
               </a:ext>
             </a:extLst>
           </p:cNvPr>
@@ -1866,7 +1866,7 @@
           <p:cNvPr id="7" name="Date Placeholder 6">
             <a:extLst>
               <a:ext uri="{FF2B5EF4-FFF2-40B4-BE49-F238E27FC236}">
-                <a16:creationId xmlns:a16="http://schemas.microsoft.com/office/drawing/2014/main" xmlns="" id="{12F92FE0-EADD-43E3-B191-7F6FEA9C81E6}"/>
+                <a16:creationId xmlns:a16="http://schemas.microsoft.com/office/drawing/2014/main" id="{12F92FE0-EADD-43E3-B191-7F6FEA9C81E6}"/>
               </a:ext>
             </a:extLst>
           </p:cNvPr>
@@ -1885,7 +1885,7 @@
             <a:fld id="{C0697723-E498-4D64-BBB6-490ED1364AC9}" type="datetimeFigureOut">
               <a:rPr lang="en-IN" smtClean="0"/>
               <a:pPr/>
-              <a:t>23-01-2023</a:t>
+              <a:t>25-01-2025</a:t>
             </a:fld>
             <a:endParaRPr lang="en-IN"/>
           </a:p>
@@ -1896,7 +1896,7 @@
           <p:cNvPr id="8" name="Footer Placeholder 7">
             <a:extLst>
               <a:ext uri="{FF2B5EF4-FFF2-40B4-BE49-F238E27FC236}">
-                <a16:creationId xmlns:a16="http://schemas.microsoft.com/office/drawing/2014/main" xmlns="" id="{FD4604E9-CD41-4846-B48F-03B22B3709D6}"/>
+                <a16:creationId xmlns:a16="http://schemas.microsoft.com/office/drawing/2014/main" id="{FD4604E9-CD41-4846-B48F-03B22B3709D6}"/>
               </a:ext>
             </a:extLst>
           </p:cNvPr>
@@ -1921,7 +1921,7 @@
           <p:cNvPr id="9" name="Slide Number Placeholder 8">
             <a:extLst>
               <a:ext uri="{FF2B5EF4-FFF2-40B4-BE49-F238E27FC236}">
-                <a16:creationId xmlns:a16="http://schemas.microsoft.com/office/drawing/2014/main" xmlns="" id="{5AFE060F-933B-49D3-8FF3-B0DEF9DC6484}"/>
+                <a16:creationId xmlns:a16="http://schemas.microsoft.com/office/drawing/2014/main" id="{5AFE060F-933B-49D3-8FF3-B0DEF9DC6484}"/>
               </a:ext>
             </a:extLst>
           </p:cNvPr>
@@ -1981,7 +1981,7 @@
           <p:cNvPr id="2" name="Title 1">
             <a:extLst>
               <a:ext uri="{FF2B5EF4-FFF2-40B4-BE49-F238E27FC236}">
-                <a16:creationId xmlns:a16="http://schemas.microsoft.com/office/drawing/2014/main" xmlns="" id="{72D133CA-B572-4BA7-A189-A42C96F1089A}"/>
+                <a16:creationId xmlns:a16="http://schemas.microsoft.com/office/drawing/2014/main" id="{72D133CA-B572-4BA7-A189-A42C96F1089A}"/>
               </a:ext>
             </a:extLst>
           </p:cNvPr>
@@ -2010,7 +2010,7 @@
           <p:cNvPr id="3" name="Date Placeholder 2">
             <a:extLst>
               <a:ext uri="{FF2B5EF4-FFF2-40B4-BE49-F238E27FC236}">
-                <a16:creationId xmlns:a16="http://schemas.microsoft.com/office/drawing/2014/main" xmlns="" id="{28BA2B92-6276-46C5-8418-926229142AF0}"/>
+                <a16:creationId xmlns:a16="http://schemas.microsoft.com/office/drawing/2014/main" id="{28BA2B92-6276-46C5-8418-926229142AF0}"/>
               </a:ext>
             </a:extLst>
           </p:cNvPr>
@@ -2029,7 +2029,7 @@
             <a:fld id="{C0697723-E498-4D64-BBB6-490ED1364AC9}" type="datetimeFigureOut">
               <a:rPr lang="en-IN" smtClean="0"/>
               <a:pPr/>
-              <a:t>23-01-2023</a:t>
+              <a:t>25-01-2025</a:t>
             </a:fld>
             <a:endParaRPr lang="en-IN"/>
           </a:p>
@@ -2040,7 +2040,7 @@
           <p:cNvPr id="4" name="Footer Placeholder 3">
             <a:extLst>
               <a:ext uri="{FF2B5EF4-FFF2-40B4-BE49-F238E27FC236}">
-                <a16:creationId xmlns:a16="http://schemas.microsoft.com/office/drawing/2014/main" xmlns="" id="{ADC7E3F1-B21B-41C5-BFFE-A0D23D01EE20}"/>
+                <a16:creationId xmlns:a16="http://schemas.microsoft.com/office/drawing/2014/main" id="{ADC7E3F1-B21B-41C5-BFFE-A0D23D01EE20}"/>
               </a:ext>
             </a:extLst>
           </p:cNvPr>
@@ -2065,7 +2065,7 @@
           <p:cNvPr id="5" name="Slide Number Placeholder 4">
             <a:extLst>
               <a:ext uri="{FF2B5EF4-FFF2-40B4-BE49-F238E27FC236}">
-                <a16:creationId xmlns:a16="http://schemas.microsoft.com/office/drawing/2014/main" xmlns="" id="{A033B9AF-625C-4788-81E5-2B790AE33D0F}"/>
+                <a16:creationId xmlns:a16="http://schemas.microsoft.com/office/drawing/2014/main" id="{A033B9AF-625C-4788-81E5-2B790AE33D0F}"/>
               </a:ext>
             </a:extLst>
           </p:cNvPr>
@@ -2125,7 +2125,7 @@
           <p:cNvPr id="2" name="Date Placeholder 1">
             <a:extLst>
               <a:ext uri="{FF2B5EF4-FFF2-40B4-BE49-F238E27FC236}">
-                <a16:creationId xmlns:a16="http://schemas.microsoft.com/office/drawing/2014/main" xmlns="" id="{7034E3B9-7089-4D8E-9F92-ED9350E73E40}"/>
+                <a16:creationId xmlns:a16="http://schemas.microsoft.com/office/drawing/2014/main" id="{7034E3B9-7089-4D8E-9F92-ED9350E73E40}"/>
               </a:ext>
             </a:extLst>
           </p:cNvPr>
@@ -2144,7 +2144,7 @@
             <a:fld id="{C0697723-E498-4D64-BBB6-490ED1364AC9}" type="datetimeFigureOut">
               <a:rPr lang="en-IN" smtClean="0"/>
               <a:pPr/>
-              <a:t>23-01-2023</a:t>
+              <a:t>25-01-2025</a:t>
             </a:fld>
             <a:endParaRPr lang="en-IN"/>
           </a:p>
@@ -2155,7 +2155,7 @@
           <p:cNvPr id="3" name="Footer Placeholder 2">
             <a:extLst>
               <a:ext uri="{FF2B5EF4-FFF2-40B4-BE49-F238E27FC236}">
-                <a16:creationId xmlns:a16="http://schemas.microsoft.com/office/drawing/2014/main" xmlns="" id="{C85D6F49-DBB0-4783-8669-C7B8A7030AFD}"/>
+                <a16:creationId xmlns:a16="http://schemas.microsoft.com/office/drawing/2014/main" id="{C85D6F49-DBB0-4783-8669-C7B8A7030AFD}"/>
               </a:ext>
             </a:extLst>
           </p:cNvPr>
@@ -2180,7 +2180,7 @@
           <p:cNvPr id="4" name="Slide Number Placeholder 3">
             <a:extLst>
               <a:ext uri="{FF2B5EF4-FFF2-40B4-BE49-F238E27FC236}">
-                <a16:creationId xmlns:a16="http://schemas.microsoft.com/office/drawing/2014/main" xmlns="" id="{68775C0C-F413-41B7-B055-646B0BFD3A09}"/>
+                <a16:creationId xmlns:a16="http://schemas.microsoft.com/office/drawing/2014/main" id="{68775C0C-F413-41B7-B055-646B0BFD3A09}"/>
               </a:ext>
             </a:extLst>
           </p:cNvPr>
@@ -2240,7 +2240,7 @@
           <p:cNvPr id="2" name="Title 1">
             <a:extLst>
               <a:ext uri="{FF2B5EF4-FFF2-40B4-BE49-F238E27FC236}">
-                <a16:creationId xmlns:a16="http://schemas.microsoft.com/office/drawing/2014/main" xmlns="" id="{0525262E-9CC6-4471-87B5-E96BB4A83927}"/>
+                <a16:creationId xmlns:a16="http://schemas.microsoft.com/office/drawing/2014/main" id="{0525262E-9CC6-4471-87B5-E96BB4A83927}"/>
               </a:ext>
             </a:extLst>
           </p:cNvPr>
@@ -2278,7 +2278,7 @@
           <p:cNvPr id="3" name="Content Placeholder 2">
             <a:extLst>
               <a:ext uri="{FF2B5EF4-FFF2-40B4-BE49-F238E27FC236}">
-                <a16:creationId xmlns:a16="http://schemas.microsoft.com/office/drawing/2014/main" xmlns="" id="{CC85306A-CD4B-46EE-9161-2B0A130F2AF4}"/>
+                <a16:creationId xmlns:a16="http://schemas.microsoft.com/office/drawing/2014/main" id="{CC85306A-CD4B-46EE-9161-2B0A130F2AF4}"/>
               </a:ext>
             </a:extLst>
           </p:cNvPr>
@@ -2369,7 +2369,7 @@
           <p:cNvPr id="4" name="Text Placeholder 3">
             <a:extLst>
               <a:ext uri="{FF2B5EF4-FFF2-40B4-BE49-F238E27FC236}">
-                <a16:creationId xmlns:a16="http://schemas.microsoft.com/office/drawing/2014/main" xmlns="" id="{17A59BE6-9514-4D99-A003-32E53BEDF6F1}"/>
+                <a16:creationId xmlns:a16="http://schemas.microsoft.com/office/drawing/2014/main" id="{17A59BE6-9514-4D99-A003-32E53BEDF6F1}"/>
               </a:ext>
             </a:extLst>
           </p:cNvPr>
@@ -2440,7 +2440,7 @@
           <p:cNvPr id="5" name="Date Placeholder 4">
             <a:extLst>
               <a:ext uri="{FF2B5EF4-FFF2-40B4-BE49-F238E27FC236}">
-                <a16:creationId xmlns:a16="http://schemas.microsoft.com/office/drawing/2014/main" xmlns="" id="{051144FC-DE55-4C66-B467-EE320664508C}"/>
+                <a16:creationId xmlns:a16="http://schemas.microsoft.com/office/drawing/2014/main" id="{051144FC-DE55-4C66-B467-EE320664508C}"/>
               </a:ext>
             </a:extLst>
           </p:cNvPr>
@@ -2459,7 +2459,7 @@
             <a:fld id="{C0697723-E498-4D64-BBB6-490ED1364AC9}" type="datetimeFigureOut">
               <a:rPr lang="en-IN" smtClean="0"/>
               <a:pPr/>
-              <a:t>23-01-2023</a:t>
+              <a:t>25-01-2025</a:t>
             </a:fld>
             <a:endParaRPr lang="en-IN"/>
           </a:p>
@@ -2470,7 +2470,7 @@
           <p:cNvPr id="6" name="Footer Placeholder 5">
             <a:extLst>
               <a:ext uri="{FF2B5EF4-FFF2-40B4-BE49-F238E27FC236}">
-                <a16:creationId xmlns:a16="http://schemas.microsoft.com/office/drawing/2014/main" xmlns="" id="{7ABC472B-5E7F-485E-A706-89B79D412CBF}"/>
+                <a16:creationId xmlns:a16="http://schemas.microsoft.com/office/drawing/2014/main" id="{7ABC472B-5E7F-485E-A706-89B79D412CBF}"/>
               </a:ext>
             </a:extLst>
           </p:cNvPr>
@@ -2495,7 +2495,7 @@
           <p:cNvPr id="7" name="Slide Number Placeholder 6">
             <a:extLst>
               <a:ext uri="{FF2B5EF4-FFF2-40B4-BE49-F238E27FC236}">
-                <a16:creationId xmlns:a16="http://schemas.microsoft.com/office/drawing/2014/main" xmlns="" id="{7556C44B-3BC6-40D9-94ED-B0796F8E1329}"/>
+                <a16:creationId xmlns:a16="http://schemas.microsoft.com/office/drawing/2014/main" id="{7556C44B-3BC6-40D9-94ED-B0796F8E1329}"/>
               </a:ext>
             </a:extLst>
           </p:cNvPr>
@@ -2555,7 +2555,7 @@
           <p:cNvPr id="2" name="Title 1">
             <a:extLst>
               <a:ext uri="{FF2B5EF4-FFF2-40B4-BE49-F238E27FC236}">
-                <a16:creationId xmlns:a16="http://schemas.microsoft.com/office/drawing/2014/main" xmlns="" id="{CA759C2A-444C-4E85-BF34-29BD3E3F6DFF}"/>
+                <a16:creationId xmlns:a16="http://schemas.microsoft.com/office/drawing/2014/main" id="{CA759C2A-444C-4E85-BF34-29BD3E3F6DFF}"/>
               </a:ext>
             </a:extLst>
           </p:cNvPr>
@@ -2593,7 +2593,7 @@
           <p:cNvPr id="3" name="Picture Placeholder 2">
             <a:extLst>
               <a:ext uri="{FF2B5EF4-FFF2-40B4-BE49-F238E27FC236}">
-                <a16:creationId xmlns:a16="http://schemas.microsoft.com/office/drawing/2014/main" xmlns="" id="{4B688350-F59A-41DF-B2EF-F9EEA2470087}"/>
+                <a16:creationId xmlns:a16="http://schemas.microsoft.com/office/drawing/2014/main" id="{4B688350-F59A-41DF-B2EF-F9EEA2470087}"/>
               </a:ext>
             </a:extLst>
           </p:cNvPr>
@@ -2660,7 +2660,7 @@
           <p:cNvPr id="4" name="Text Placeholder 3">
             <a:extLst>
               <a:ext uri="{FF2B5EF4-FFF2-40B4-BE49-F238E27FC236}">
-                <a16:creationId xmlns:a16="http://schemas.microsoft.com/office/drawing/2014/main" xmlns="" id="{AC5D8DC2-A933-46C8-BE16-322CE1A3EC74}"/>
+                <a16:creationId xmlns:a16="http://schemas.microsoft.com/office/drawing/2014/main" id="{AC5D8DC2-A933-46C8-BE16-322CE1A3EC74}"/>
               </a:ext>
             </a:extLst>
           </p:cNvPr>
@@ -2731,7 +2731,7 @@
           <p:cNvPr id="5" name="Date Placeholder 4">
             <a:extLst>
               <a:ext uri="{FF2B5EF4-FFF2-40B4-BE49-F238E27FC236}">
-                <a16:creationId xmlns:a16="http://schemas.microsoft.com/office/drawing/2014/main" xmlns="" id="{2D17E0BD-405F-407D-AAE8-84A2C67291BD}"/>
+                <a16:creationId xmlns:a16="http://schemas.microsoft.com/office/drawing/2014/main" id="{2D17E0BD-405F-407D-AAE8-84A2C67291BD}"/>
               </a:ext>
             </a:extLst>
           </p:cNvPr>
@@ -2750,7 +2750,7 @@
             <a:fld id="{C0697723-E498-4D64-BBB6-490ED1364AC9}" type="datetimeFigureOut">
               <a:rPr lang="en-IN" smtClean="0"/>
               <a:pPr/>
-              <a:t>23-01-2023</a:t>
+              <a:t>25-01-2025</a:t>
             </a:fld>
             <a:endParaRPr lang="en-IN"/>
           </a:p>
@@ -2761,7 +2761,7 @@
           <p:cNvPr id="6" name="Footer Placeholder 5">
             <a:extLst>
               <a:ext uri="{FF2B5EF4-FFF2-40B4-BE49-F238E27FC236}">
-                <a16:creationId xmlns:a16="http://schemas.microsoft.com/office/drawing/2014/main" xmlns="" id="{F5294B3E-2DAE-4C72-9B6F-EE43965DA9DB}"/>
+                <a16:creationId xmlns:a16="http://schemas.microsoft.com/office/drawing/2014/main" id="{F5294B3E-2DAE-4C72-9B6F-EE43965DA9DB}"/>
               </a:ext>
             </a:extLst>
           </p:cNvPr>
@@ -2786,7 +2786,7 @@
           <p:cNvPr id="7" name="Slide Number Placeholder 6">
             <a:extLst>
               <a:ext uri="{FF2B5EF4-FFF2-40B4-BE49-F238E27FC236}">
-                <a16:creationId xmlns:a16="http://schemas.microsoft.com/office/drawing/2014/main" xmlns="" id="{5474055D-9410-4E28-8C54-90B4F6E7DBFF}"/>
+                <a16:creationId xmlns:a16="http://schemas.microsoft.com/office/drawing/2014/main" id="{5474055D-9410-4E28-8C54-90B4F6E7DBFF}"/>
               </a:ext>
             </a:extLst>
           </p:cNvPr>
@@ -2851,7 +2851,7 @@
           <p:cNvPr id="2" name="Title Placeholder 1">
             <a:extLst>
               <a:ext uri="{FF2B5EF4-FFF2-40B4-BE49-F238E27FC236}">
-                <a16:creationId xmlns:a16="http://schemas.microsoft.com/office/drawing/2014/main" xmlns="" id="{9449A4AD-9C61-4A2F-99E0-675E3359267C}"/>
+                <a16:creationId xmlns:a16="http://schemas.microsoft.com/office/drawing/2014/main" id="{9449A4AD-9C61-4A2F-99E0-675E3359267C}"/>
               </a:ext>
             </a:extLst>
           </p:cNvPr>
@@ -2890,7 +2890,7 @@
           <p:cNvPr id="3" name="Text Placeholder 2">
             <a:extLst>
               <a:ext uri="{FF2B5EF4-FFF2-40B4-BE49-F238E27FC236}">
-                <a16:creationId xmlns:a16="http://schemas.microsoft.com/office/drawing/2014/main" xmlns="" id="{A10F732A-189B-4AC1-886A-23584A50B846}"/>
+                <a16:creationId xmlns:a16="http://schemas.microsoft.com/office/drawing/2014/main" id="{A10F732A-189B-4AC1-886A-23584A50B846}"/>
               </a:ext>
             </a:extLst>
           </p:cNvPr>
@@ -2958,7 +2958,7 @@
           <p:cNvPr id="4" name="Date Placeholder 3">
             <a:extLst>
               <a:ext uri="{FF2B5EF4-FFF2-40B4-BE49-F238E27FC236}">
-                <a16:creationId xmlns:a16="http://schemas.microsoft.com/office/drawing/2014/main" xmlns="" id="{D5F3EE23-AF03-4903-9219-60875A711FC4}"/>
+                <a16:creationId xmlns:a16="http://schemas.microsoft.com/office/drawing/2014/main" id="{D5F3EE23-AF03-4903-9219-60875A711FC4}"/>
               </a:ext>
             </a:extLst>
           </p:cNvPr>
@@ -2995,7 +2995,7 @@
             <a:fld id="{C0697723-E498-4D64-BBB6-490ED1364AC9}" type="datetimeFigureOut">
               <a:rPr lang="en-IN" smtClean="0"/>
               <a:pPr/>
-              <a:t>23-01-2023</a:t>
+              <a:t>25-01-2025</a:t>
             </a:fld>
             <a:endParaRPr lang="en-IN"/>
           </a:p>
@@ -3006,7 +3006,7 @@
           <p:cNvPr id="5" name="Footer Placeholder 4">
             <a:extLst>
               <a:ext uri="{FF2B5EF4-FFF2-40B4-BE49-F238E27FC236}">
-                <a16:creationId xmlns:a16="http://schemas.microsoft.com/office/drawing/2014/main" xmlns="" id="{957FC4B0-FF26-4AB9-BACD-041A24DCD298}"/>
+                <a16:creationId xmlns:a16="http://schemas.microsoft.com/office/drawing/2014/main" id="{957FC4B0-FF26-4AB9-BACD-041A24DCD298}"/>
               </a:ext>
             </a:extLst>
           </p:cNvPr>
@@ -3049,7 +3049,7 @@
           <p:cNvPr id="6" name="Slide Number Placeholder 5">
             <a:extLst>
               <a:ext uri="{FF2B5EF4-FFF2-40B4-BE49-F238E27FC236}">
-                <a16:creationId xmlns:a16="http://schemas.microsoft.com/office/drawing/2014/main" xmlns="" id="{F4C8E684-F46A-48CC-BAD8-663F8E1173CA}"/>
+                <a16:creationId xmlns:a16="http://schemas.microsoft.com/office/drawing/2014/main" id="{F4C8E684-F46A-48CC-BAD8-663F8E1173CA}"/>
               </a:ext>
             </a:extLst>
           </p:cNvPr>
@@ -3418,7 +3418,7 @@
           <p:cNvPr id="14" name="Straight Connector 13">
             <a:extLst>
               <a:ext uri="{FF2B5EF4-FFF2-40B4-BE49-F238E27FC236}">
-                <a16:creationId xmlns:a16="http://schemas.microsoft.com/office/drawing/2014/main" xmlns="" id="{44FD96A8-0571-4828-AA94-7DB93A4857C5}"/>
+                <a16:creationId xmlns:a16="http://schemas.microsoft.com/office/drawing/2014/main" id="{44FD96A8-0571-4828-AA94-7DB93A4857C5}"/>
               </a:ext>
             </a:extLst>
           </p:cNvPr>
@@ -3461,7 +3461,7 @@
           <p:cNvPr id="16" name="Rectangle 15">
             <a:extLst>
               <a:ext uri="{FF2B5EF4-FFF2-40B4-BE49-F238E27FC236}">
-                <a16:creationId xmlns:a16="http://schemas.microsoft.com/office/drawing/2014/main" xmlns="" id="{32465F97-45E8-4475-81F0-E171C116B224}"/>
+                <a16:creationId xmlns:a16="http://schemas.microsoft.com/office/drawing/2014/main" id="{32465F97-45E8-4475-81F0-E171C116B224}"/>
               </a:ext>
             </a:extLst>
           </p:cNvPr>
@@ -3484,11 +3484,11 @@
           <a:lstStyle/>
           <a:p>
             <a:r>
-              <a:rPr lang="en-US" sz="2400" b="1" dirty="0" err="1" smtClean="0"/>
+              <a:rPr lang="en-US" sz="2400" b="1" dirty="0" err="1"/>
               <a:t>Asha</a:t>
             </a:r>
             <a:r>
-              <a:rPr lang="en-US" sz="2400" b="1" dirty="0" smtClean="0"/>
+              <a:rPr lang="en-US" sz="2400" b="1" dirty="0"/>
               <a:t> A</a:t>
             </a:r>
             <a:endParaRPr lang="en-IN" sz="2400" b="1" dirty="0"/>
@@ -3500,7 +3500,7 @@
           <p:cNvPr id="17" name="Rectangle 16">
             <a:extLst>
               <a:ext uri="{FF2B5EF4-FFF2-40B4-BE49-F238E27FC236}">
-                <a16:creationId xmlns:a16="http://schemas.microsoft.com/office/drawing/2014/main" xmlns="" id="{62AC1A6C-10C2-4695-9224-09DA1B0D5932}"/>
+                <a16:creationId xmlns:a16="http://schemas.microsoft.com/office/drawing/2014/main" id="{62AC1A6C-10C2-4695-9224-09DA1B0D5932}"/>
               </a:ext>
             </a:extLst>
           </p:cNvPr>
@@ -3535,7 +3535,7 @@
           <p:cNvPr id="23" name="Group 22">
             <a:extLst>
               <a:ext uri="{FF2B5EF4-FFF2-40B4-BE49-F238E27FC236}">
-                <a16:creationId xmlns:a16="http://schemas.microsoft.com/office/drawing/2014/main" xmlns="" id="{6DD8DCC0-549E-48DB-8CCA-E3FF8FBDEBF0}"/>
+                <a16:creationId xmlns:a16="http://schemas.microsoft.com/office/drawing/2014/main" id="{6DD8DCC0-549E-48DB-8CCA-E3FF8FBDEBF0}"/>
               </a:ext>
             </a:extLst>
           </p:cNvPr>
@@ -3561,7 +3561,7 @@
             <p:cNvPr id="24" name="Rectangle 23">
               <a:extLst>
                 <a:ext uri="{FF2B5EF4-FFF2-40B4-BE49-F238E27FC236}">
-                  <a16:creationId xmlns:a16="http://schemas.microsoft.com/office/drawing/2014/main" xmlns="" id="{B895392A-2454-40A6-9F7C-BC20D3A463EB}"/>
+                  <a16:creationId xmlns:a16="http://schemas.microsoft.com/office/drawing/2014/main" id="{B895392A-2454-40A6-9F7C-BC20D3A463EB}"/>
                 </a:ext>
               </a:extLst>
             </p:cNvPr>
@@ -3611,7 +3611,7 @@
             <p:cNvPr id="25" name="Rectangle 24">
               <a:extLst>
                 <a:ext uri="{FF2B5EF4-FFF2-40B4-BE49-F238E27FC236}">
-                  <a16:creationId xmlns:a16="http://schemas.microsoft.com/office/drawing/2014/main" xmlns="" id="{DC7604FF-DE88-44B6-A0D9-723028500B8B}"/>
+                  <a16:creationId xmlns:a16="http://schemas.microsoft.com/office/drawing/2014/main" id="{DC7604FF-DE88-44B6-A0D9-723028500B8B}"/>
                 </a:ext>
               </a:extLst>
             </p:cNvPr>
@@ -3661,7 +3661,7 @@
             <p:cNvPr id="26" name="Rectangle 25">
               <a:extLst>
                 <a:ext uri="{FF2B5EF4-FFF2-40B4-BE49-F238E27FC236}">
-                  <a16:creationId xmlns:a16="http://schemas.microsoft.com/office/drawing/2014/main" xmlns="" id="{35F4DC18-13F2-43D2-9B15-157998AF1875}"/>
+                  <a16:creationId xmlns:a16="http://schemas.microsoft.com/office/drawing/2014/main" id="{35F4DC18-13F2-43D2-9B15-157998AF1875}"/>
                 </a:ext>
               </a:extLst>
             </p:cNvPr>
@@ -3711,7 +3711,7 @@
             <p:cNvPr id="27" name="Rectangle 26">
               <a:extLst>
                 <a:ext uri="{FF2B5EF4-FFF2-40B4-BE49-F238E27FC236}">
-                  <a16:creationId xmlns:a16="http://schemas.microsoft.com/office/drawing/2014/main" xmlns="" id="{34375A76-1BF8-4628-B0FE-78E1BEB569B2}"/>
+                  <a16:creationId xmlns:a16="http://schemas.microsoft.com/office/drawing/2014/main" id="{34375A76-1BF8-4628-B0FE-78E1BEB569B2}"/>
                 </a:ext>
               </a:extLst>
             </p:cNvPr>
@@ -3762,7 +3762,7 @@
           <p:cNvPr id="13" name="Picture 12" descr="A close up of a logo&#10;&#10;Description automatically generated">
             <a:extLst>
               <a:ext uri="{FF2B5EF4-FFF2-40B4-BE49-F238E27FC236}">
-                <a16:creationId xmlns:a16="http://schemas.microsoft.com/office/drawing/2014/main" xmlns="" id="{DBF62E6F-20D6-4DF2-A881-ECD3EEB1A24C}"/>
+                <a16:creationId xmlns:a16="http://schemas.microsoft.com/office/drawing/2014/main" id="{DBF62E6F-20D6-4DF2-A881-ECD3EEB1A24C}"/>
               </a:ext>
             </a:extLst>
           </p:cNvPr>
@@ -3798,7 +3798,7 @@
           <p:cNvPr id="15" name="Rectangle 14">
             <a:extLst>
               <a:ext uri="{FF2B5EF4-FFF2-40B4-BE49-F238E27FC236}">
-                <a16:creationId xmlns:a16="http://schemas.microsoft.com/office/drawing/2014/main" xmlns="" id="{43211A6E-71CA-46AC-B929-E502AF599D76}"/>
+                <a16:creationId xmlns:a16="http://schemas.microsoft.com/office/drawing/2014/main" id="{43211A6E-71CA-46AC-B929-E502AF599D76}"/>
               </a:ext>
             </a:extLst>
           </p:cNvPr>
@@ -3871,7 +3871,7 @@
           <p:cNvPr id="8" name="Straight Connector 7">
             <a:extLst>
               <a:ext uri="{FF2B5EF4-FFF2-40B4-BE49-F238E27FC236}">
-                <a16:creationId xmlns:a16="http://schemas.microsoft.com/office/drawing/2014/main" xmlns="" id="{A4293697-6E2C-4331-B4E1-C58B355192F4}"/>
+                <a16:creationId xmlns:a16="http://schemas.microsoft.com/office/drawing/2014/main" id="{A4293697-6E2C-4331-B4E1-C58B355192F4}"/>
               </a:ext>
             </a:extLst>
           </p:cNvPr>
@@ -3914,7 +3914,7 @@
           <p:cNvPr id="6" name="Picture 5" descr="A close up of a logo&#10;&#10;Description automatically generated">
             <a:extLst>
               <a:ext uri="{FF2B5EF4-FFF2-40B4-BE49-F238E27FC236}">
-                <a16:creationId xmlns:a16="http://schemas.microsoft.com/office/drawing/2014/main" xmlns="" id="{08D8E659-ABBD-4E58-8353-D33866EBB3E6}"/>
+                <a16:creationId xmlns:a16="http://schemas.microsoft.com/office/drawing/2014/main" id="{08D8E659-ABBD-4E58-8353-D33866EBB3E6}"/>
               </a:ext>
             </a:extLst>
           </p:cNvPr>
@@ -3950,7 +3950,7 @@
           <p:cNvPr id="7" name="Rectangle 6">
             <a:extLst>
               <a:ext uri="{FF2B5EF4-FFF2-40B4-BE49-F238E27FC236}">
-                <a16:creationId xmlns:a16="http://schemas.microsoft.com/office/drawing/2014/main" xmlns="" id="{D14CB69A-0424-4C01-A311-B65E140C5B4A}"/>
+                <a16:creationId xmlns:a16="http://schemas.microsoft.com/office/drawing/2014/main" id="{D14CB69A-0424-4C01-A311-B65E140C5B4A}"/>
               </a:ext>
             </a:extLst>
           </p:cNvPr>
@@ -4621,7 +4621,7 @@
           <p:cNvPr id="8" name="Straight Connector 7">
             <a:extLst>
               <a:ext uri="{FF2B5EF4-FFF2-40B4-BE49-F238E27FC236}">
-                <a16:creationId xmlns:a16="http://schemas.microsoft.com/office/drawing/2014/main" xmlns="" id="{A4293697-6E2C-4331-B4E1-C58B355192F4}"/>
+                <a16:creationId xmlns:a16="http://schemas.microsoft.com/office/drawing/2014/main" id="{A4293697-6E2C-4331-B4E1-C58B355192F4}"/>
               </a:ext>
             </a:extLst>
           </p:cNvPr>
@@ -4664,7 +4664,7 @@
           <p:cNvPr id="6" name="Picture 5" descr="A close up of a logo&#10;&#10;Description automatically generated">
             <a:extLst>
               <a:ext uri="{FF2B5EF4-FFF2-40B4-BE49-F238E27FC236}">
-                <a16:creationId xmlns:a16="http://schemas.microsoft.com/office/drawing/2014/main" xmlns="" id="{08D8E659-ABBD-4E58-8353-D33866EBB3E6}"/>
+                <a16:creationId xmlns:a16="http://schemas.microsoft.com/office/drawing/2014/main" id="{08D8E659-ABBD-4E58-8353-D33866EBB3E6}"/>
               </a:ext>
             </a:extLst>
           </p:cNvPr>
@@ -4700,7 +4700,7 @@
           <p:cNvPr id="7" name="Rectangle 6">
             <a:extLst>
               <a:ext uri="{FF2B5EF4-FFF2-40B4-BE49-F238E27FC236}">
-                <a16:creationId xmlns:a16="http://schemas.microsoft.com/office/drawing/2014/main" xmlns="" id="{D14CB69A-0424-4C01-A311-B65E140C5B4A}"/>
+                <a16:creationId xmlns:a16="http://schemas.microsoft.com/office/drawing/2014/main" id="{D14CB69A-0424-4C01-A311-B65E140C5B4A}"/>
               </a:ext>
             </a:extLst>
           </p:cNvPr>
@@ -5421,7 +5421,7 @@
           <p:cNvPr id="8" name="Straight Connector 7">
             <a:extLst>
               <a:ext uri="{FF2B5EF4-FFF2-40B4-BE49-F238E27FC236}">
-                <a16:creationId xmlns:a16="http://schemas.microsoft.com/office/drawing/2014/main" xmlns="" id="{A4293697-6E2C-4331-B4E1-C58B355192F4}"/>
+                <a16:creationId xmlns:a16="http://schemas.microsoft.com/office/drawing/2014/main" id="{A4293697-6E2C-4331-B4E1-C58B355192F4}"/>
               </a:ext>
             </a:extLst>
           </p:cNvPr>
@@ -5464,7 +5464,7 @@
           <p:cNvPr id="6" name="Picture 5" descr="A close up of a logo&#10;&#10;Description automatically generated">
             <a:extLst>
               <a:ext uri="{FF2B5EF4-FFF2-40B4-BE49-F238E27FC236}">
-                <a16:creationId xmlns:a16="http://schemas.microsoft.com/office/drawing/2014/main" xmlns="" id="{08D8E659-ABBD-4E58-8353-D33866EBB3E6}"/>
+                <a16:creationId xmlns:a16="http://schemas.microsoft.com/office/drawing/2014/main" id="{08D8E659-ABBD-4E58-8353-D33866EBB3E6}"/>
               </a:ext>
             </a:extLst>
           </p:cNvPr>
@@ -5500,7 +5500,7 @@
           <p:cNvPr id="7" name="Rectangle 6">
             <a:extLst>
               <a:ext uri="{FF2B5EF4-FFF2-40B4-BE49-F238E27FC236}">
-                <a16:creationId xmlns:a16="http://schemas.microsoft.com/office/drawing/2014/main" xmlns="" id="{D14CB69A-0424-4C01-A311-B65E140C5B4A}"/>
+                <a16:creationId xmlns:a16="http://schemas.microsoft.com/office/drawing/2014/main" id="{D14CB69A-0424-4C01-A311-B65E140C5B4A}"/>
               </a:ext>
             </a:extLst>
           </p:cNvPr>
@@ -5930,9 +5930,164 @@
             </a:r>
             <a:r>
               <a:rPr lang="en-US" sz="2000" dirty="0">
+                <a:highlight>
+                  <a:srgbClr val="FFFF00"/>
+                </a:highlight>
                 <a:latin typeface="+mn-lt"/>
               </a:rPr>
               <a:t>Resistance to </a:t>
+            </a:r>
+            <a:r>
+              <a:rPr lang="en-US" sz="2000" b="1" dirty="0">
+                <a:solidFill>
+                  <a:srgbClr val="C42ABD"/>
+                </a:solidFill>
+                <a:highlight>
+                  <a:srgbClr val="FFFF00"/>
+                </a:highlight>
+                <a:latin typeface="+mn-lt"/>
+              </a:rPr>
+              <a:t>swell, dissolve and get degraded </a:t>
+            </a:r>
+            <a:r>
+              <a:rPr lang="en-US" sz="2000" dirty="0">
+                <a:highlight>
+                  <a:srgbClr val="FFFF00"/>
+                </a:highlight>
+                <a:latin typeface="+mn-lt"/>
+              </a:rPr>
+              <a:t>in the presence of a solvent or chemical</a:t>
+            </a:r>
+          </a:p>
+          <a:p>
+            <a:pPr algn="just">
+              <a:buFont typeface="Arial" pitchFamily="34" charset="0"/>
+              <a:buChar char="•"/>
+              <a:defRPr/>
+            </a:pPr>
+            <a:r>
+              <a:rPr lang="en-US" sz="2000" dirty="0">
+                <a:latin typeface="+mn-lt"/>
+              </a:rPr>
+              <a:t>It depends on the </a:t>
+            </a:r>
+            <a:r>
+              <a:rPr lang="en-US" sz="2000" b="1" dirty="0">
+                <a:solidFill>
+                  <a:srgbClr val="C42ABD"/>
+                </a:solidFill>
+                <a:highlight>
+                  <a:srgbClr val="FFFF00"/>
+                </a:highlight>
+                <a:latin typeface="+mn-lt"/>
+              </a:rPr>
+              <a:t>chemical nature of monomeric units </a:t>
+            </a:r>
+            <a:r>
+              <a:rPr lang="en-US" sz="2000" dirty="0">
+                <a:highlight>
+                  <a:srgbClr val="FFFF00"/>
+                </a:highlight>
+                <a:latin typeface="+mn-lt"/>
+              </a:rPr>
+              <a:t>and their </a:t>
+            </a:r>
+            <a:r>
+              <a:rPr lang="en-US" sz="2000" b="1" dirty="0">
+                <a:solidFill>
+                  <a:srgbClr val="C42ABD"/>
+                </a:solidFill>
+                <a:highlight>
+                  <a:srgbClr val="FFFF00"/>
+                </a:highlight>
+                <a:latin typeface="+mn-lt"/>
+              </a:rPr>
+              <a:t>molecular arrangement</a:t>
+            </a:r>
+          </a:p>
+          <a:p>
+            <a:pPr algn="just">
+              <a:defRPr/>
+            </a:pPr>
+            <a:endParaRPr lang="en-US" sz="2000" dirty="0">
+              <a:latin typeface="+mn-lt"/>
+            </a:endParaRPr>
+          </a:p>
+          <a:p>
+            <a:pPr algn="just">
+              <a:buFont typeface="Arial" pitchFamily="34" charset="0"/>
+              <a:buChar char="•"/>
+              <a:defRPr/>
+            </a:pPr>
+            <a:r>
+              <a:rPr lang="en-US" sz="2000" dirty="0">
+                <a:latin typeface="+mn-lt"/>
+              </a:rPr>
+              <a:t> </a:t>
+            </a:r>
+            <a:r>
+              <a:rPr lang="en-US" sz="2000" b="1" dirty="0">
+                <a:solidFill>
+                  <a:srgbClr val="C42ABD"/>
+                </a:solidFill>
+                <a:highlight>
+                  <a:srgbClr val="FFFF00"/>
+                </a:highlight>
+                <a:latin typeface="+mn-lt"/>
+              </a:rPr>
+              <a:t>Presence of polar and non-polar groups</a:t>
+            </a:r>
+            <a:r>
+              <a:rPr lang="en-US" sz="2000" dirty="0">
+                <a:latin typeface="+mn-lt"/>
+              </a:rPr>
+              <a:t>: Like dissolves like - A polymer is more soluble in a solvent of similar chemical structure </a:t>
+            </a:r>
+          </a:p>
+          <a:p>
+            <a:pPr lvl="1" algn="just">
+              <a:buFont typeface="Arial" pitchFamily="34" charset="0"/>
+              <a:buChar char="•"/>
+              <a:defRPr/>
+            </a:pPr>
+            <a:r>
+              <a:rPr lang="en-US" sz="2000" dirty="0">
+                <a:highlight>
+                  <a:srgbClr val="FFFF00"/>
+                </a:highlight>
+                <a:latin typeface="+mn-lt"/>
+              </a:rPr>
+              <a:t>Polymers having </a:t>
+            </a:r>
+            <a:r>
+              <a:rPr lang="en-US" sz="2000" b="1" dirty="0">
+                <a:solidFill>
+                  <a:srgbClr val="C42ABD"/>
+                </a:solidFill>
+                <a:highlight>
+                  <a:srgbClr val="FFFF00"/>
+                </a:highlight>
+                <a:latin typeface="+mn-lt"/>
+              </a:rPr>
+              <a:t>polar groups </a:t>
+            </a:r>
+            <a:r>
+              <a:rPr lang="en-US" sz="2000" dirty="0">
+                <a:latin typeface="+mn-lt"/>
+              </a:rPr>
+              <a:t>(–OH or –COOH groups) are usually attacked or </a:t>
+            </a:r>
+            <a:r>
+              <a:rPr lang="en-US" sz="2000" b="1" dirty="0">
+                <a:solidFill>
+                  <a:srgbClr val="C42ABD"/>
+                </a:solidFill>
+                <a:highlight>
+                  <a:srgbClr val="FFFF00"/>
+                </a:highlight>
+                <a:latin typeface="+mn-lt"/>
+              </a:rPr>
+              <a:t>dissolved by polar liquids</a:t>
             </a:r>
             <a:r>
               <a:rPr lang="en-US" sz="2000" b="1" dirty="0">
@@ -5941,182 +6096,72 @@
                 </a:solidFill>
                 <a:latin typeface="+mn-lt"/>
               </a:rPr>
-              <a:t>swell, dissolve and get degraded </a:t>
+              <a:t> </a:t>
             </a:r>
             <a:r>
               <a:rPr lang="en-US" sz="2000" dirty="0">
                 <a:latin typeface="+mn-lt"/>
               </a:rPr>
-              <a:t>in the presence of a solvent or chemical</a:t>
-            </a:r>
-          </a:p>
-          <a:p>
-            <a:pPr algn="just">
+              <a:t>such as water or alcohols. (e.g. PVA dissolves in water)</a:t>
+            </a:r>
+          </a:p>
+          <a:p>
+            <a:pPr lvl="1" algn="just">
               <a:buFont typeface="Arial" pitchFamily="34" charset="0"/>
               <a:buChar char="•"/>
               <a:defRPr/>
             </a:pPr>
             <a:r>
-              <a:rPr lang="en-US" sz="2000" dirty="0">
-                <a:latin typeface="+mn-lt"/>
-              </a:rPr>
-              <a:t>It depends on the </a:t>
+              <a:rPr lang="en-US" sz="2000" dirty="0"/>
+              <a:t>Polymers with </a:t>
             </a:r>
             <a:r>
               <a:rPr lang="en-US" sz="2000" b="1" dirty="0">
                 <a:solidFill>
                   <a:srgbClr val="C42ABD"/>
                 </a:solidFill>
-                <a:latin typeface="+mn-lt"/>
-              </a:rPr>
-              <a:t>chemical nature of monomeric units </a:t>
-            </a:r>
-            <a:r>
-              <a:rPr lang="en-US" sz="2000" dirty="0">
-                <a:latin typeface="+mn-lt"/>
-              </a:rPr>
-              <a:t>and their </a:t>
+                <a:highlight>
+                  <a:srgbClr val="FFFF00"/>
+                </a:highlight>
+              </a:rPr>
+              <a:t>non-polar groups </a:t>
+            </a:r>
+            <a:r>
+              <a:rPr lang="en-US" sz="2000" dirty="0"/>
+              <a:t>such as –CH</a:t>
+            </a:r>
+            <a:r>
+              <a:rPr lang="en-US" sz="2000" baseline="-25000" dirty="0"/>
+              <a:t>3</a:t>
+            </a:r>
+            <a:r>
+              <a:rPr lang="en-US" sz="2000" dirty="0"/>
+              <a:t> and –C</a:t>
+            </a:r>
+            <a:r>
+              <a:rPr lang="en-US" sz="2000" baseline="-25000" dirty="0"/>
+              <a:t>6</a:t>
+            </a:r>
+            <a:r>
+              <a:rPr lang="en-US" sz="2000" dirty="0"/>
+              <a:t>H</a:t>
+            </a:r>
+            <a:r>
+              <a:rPr lang="en-US" sz="2000" baseline="-25000" dirty="0"/>
+              <a:t>5</a:t>
+            </a:r>
+            <a:r>
+              <a:rPr lang="en-US" sz="2000" dirty="0"/>
+              <a:t> are not easily attacked by polar solvents but they easily </a:t>
             </a:r>
             <a:r>
               <a:rPr lang="en-US" sz="2000" b="1" dirty="0">
                 <a:solidFill>
                   <a:srgbClr val="C42ABD"/>
                 </a:solidFill>
-                <a:latin typeface="+mn-lt"/>
-              </a:rPr>
-              <a:t>molecular arrangement</a:t>
-            </a:r>
-          </a:p>
-          <a:p>
-            <a:pPr algn="just">
-              <a:defRPr/>
-            </a:pPr>
-            <a:endParaRPr lang="en-US" sz="2000" dirty="0">
-              <a:latin typeface="+mn-lt"/>
-            </a:endParaRPr>
-          </a:p>
-          <a:p>
-            <a:pPr algn="just">
-              <a:buFont typeface="Arial" pitchFamily="34" charset="0"/>
-              <a:buChar char="•"/>
-              <a:defRPr/>
-            </a:pPr>
-            <a:r>
-              <a:rPr lang="en-US" sz="2000" dirty="0">
-                <a:latin typeface="+mn-lt"/>
-              </a:rPr>
-              <a:t> </a:t>
-            </a:r>
-            <a:r>
-              <a:rPr lang="en-US" sz="2000" b="1" dirty="0">
-                <a:solidFill>
-                  <a:srgbClr val="C42ABD"/>
-                </a:solidFill>
-                <a:latin typeface="+mn-lt"/>
-              </a:rPr>
-              <a:t>Presence of polar and non-polar groups</a:t>
-            </a:r>
-            <a:r>
-              <a:rPr lang="en-US" sz="2000" dirty="0">
-                <a:latin typeface="+mn-lt"/>
-              </a:rPr>
-              <a:t>: Like dissolves like - A polymer is more soluble in a solvent of similar chemical structure </a:t>
-            </a:r>
-          </a:p>
-          <a:p>
-            <a:pPr lvl="1" algn="just">
-              <a:buFont typeface="Arial" pitchFamily="34" charset="0"/>
-              <a:buChar char="•"/>
-              <a:defRPr/>
-            </a:pPr>
-            <a:r>
-              <a:rPr lang="en-US" sz="2000" dirty="0">
-                <a:latin typeface="+mn-lt"/>
-              </a:rPr>
-              <a:t>Polymers having </a:t>
-            </a:r>
-            <a:r>
-              <a:rPr lang="en-US" sz="2000" b="1" dirty="0">
-                <a:solidFill>
-                  <a:srgbClr val="C42ABD"/>
-                </a:solidFill>
-                <a:latin typeface="+mn-lt"/>
-              </a:rPr>
-              <a:t>polar groups </a:t>
-            </a:r>
-            <a:r>
-              <a:rPr lang="en-US" sz="2000" dirty="0">
-                <a:latin typeface="+mn-lt"/>
-              </a:rPr>
-              <a:t>(–OH or –COOH groups) are usually attacked or </a:t>
-            </a:r>
-            <a:r>
-              <a:rPr lang="en-US" sz="2000" b="1" dirty="0">
-                <a:solidFill>
-                  <a:srgbClr val="C42ABD"/>
-                </a:solidFill>
-                <a:latin typeface="+mn-lt"/>
-              </a:rPr>
-              <a:t>dissolved by polar liquids </a:t>
-            </a:r>
-            <a:r>
-              <a:rPr lang="en-US" sz="2000" dirty="0">
-                <a:latin typeface="+mn-lt"/>
-              </a:rPr>
-              <a:t>such as water or alcohols. (e.g. PVA dissolves in water)</a:t>
-            </a:r>
-          </a:p>
-          <a:p>
-            <a:pPr lvl="1" algn="just">
-              <a:buFont typeface="Arial" pitchFamily="34" charset="0"/>
-              <a:buChar char="•"/>
-              <a:defRPr/>
-            </a:pPr>
-            <a:r>
-              <a:rPr lang="en-US" sz="2000" dirty="0"/>
-              <a:t>Polymers with </a:t>
-            </a:r>
-            <a:r>
-              <a:rPr lang="en-US" sz="2000" b="1" dirty="0">
-                <a:solidFill>
-                  <a:srgbClr val="C42ABD"/>
-                </a:solidFill>
-              </a:rPr>
-              <a:t>non-polar groups </a:t>
-            </a:r>
-            <a:r>
-              <a:rPr lang="en-US" sz="2000" dirty="0"/>
-              <a:t>such as –CH</a:t>
-            </a:r>
-            <a:r>
-              <a:rPr lang="en-US" sz="2000" baseline="-25000" dirty="0"/>
-              <a:t>3</a:t>
-            </a:r>
-            <a:r>
-              <a:rPr lang="en-US" sz="2000" dirty="0"/>
-              <a:t> and –C</a:t>
-            </a:r>
-            <a:r>
-              <a:rPr lang="en-US" sz="2000" baseline="-25000" dirty="0"/>
-              <a:t>6</a:t>
-            </a:r>
-            <a:r>
-              <a:rPr lang="en-US" sz="2000" dirty="0"/>
-              <a:t>H</a:t>
-            </a:r>
-            <a:r>
-              <a:rPr lang="en-US" sz="2000" baseline="-25000" dirty="0"/>
-              <a:t>5</a:t>
-            </a:r>
-            <a:r>
-              <a:rPr lang="en-US" sz="2000" dirty="0"/>
-              <a:t> are not easily attacked by polar solvents but they easily </a:t>
-            </a:r>
-            <a:r>
-              <a:rPr lang="en-US" sz="2000" b="1" dirty="0">
-                <a:solidFill>
-                  <a:srgbClr val="C42ABD"/>
-                </a:solidFill>
+                <a:highlight>
+                  <a:srgbClr val="FFFF00"/>
+                </a:highlight>
               </a:rPr>
               <a:t>swell and sometimes dissolve in non-polar solvents</a:t>
             </a:r>
@@ -6162,7 +6207,7 @@
           <p:cNvPr id="8" name="Straight Connector 7">
             <a:extLst>
               <a:ext uri="{FF2B5EF4-FFF2-40B4-BE49-F238E27FC236}">
-                <a16:creationId xmlns:a16="http://schemas.microsoft.com/office/drawing/2014/main" xmlns="" id="{A4293697-6E2C-4331-B4E1-C58B355192F4}"/>
+                <a16:creationId xmlns:a16="http://schemas.microsoft.com/office/drawing/2014/main" id="{A4293697-6E2C-4331-B4E1-C58B355192F4}"/>
               </a:ext>
             </a:extLst>
           </p:cNvPr>
@@ -6205,7 +6250,7 @@
           <p:cNvPr id="6" name="Picture 5" descr="A close up of a logo&#10;&#10;Description automatically generated">
             <a:extLst>
               <a:ext uri="{FF2B5EF4-FFF2-40B4-BE49-F238E27FC236}">
-                <a16:creationId xmlns:a16="http://schemas.microsoft.com/office/drawing/2014/main" xmlns="" id="{08D8E659-ABBD-4E58-8353-D33866EBB3E6}"/>
+                <a16:creationId xmlns:a16="http://schemas.microsoft.com/office/drawing/2014/main" id="{08D8E659-ABBD-4E58-8353-D33866EBB3E6}"/>
               </a:ext>
             </a:extLst>
           </p:cNvPr>
@@ -6241,7 +6286,7 @@
           <p:cNvPr id="7" name="Rectangle 6">
             <a:extLst>
               <a:ext uri="{FF2B5EF4-FFF2-40B4-BE49-F238E27FC236}">
-                <a16:creationId xmlns:a16="http://schemas.microsoft.com/office/drawing/2014/main" xmlns="" id="{D14CB69A-0424-4C01-A311-B65E140C5B4A}"/>
+                <a16:creationId xmlns:a16="http://schemas.microsoft.com/office/drawing/2014/main" id="{D14CB69A-0424-4C01-A311-B65E140C5B4A}"/>
               </a:ext>
             </a:extLst>
           </p:cNvPr>
@@ -7081,7 +7126,7 @@
           <p:cNvPr id="8" name="Straight Connector 7">
             <a:extLst>
               <a:ext uri="{FF2B5EF4-FFF2-40B4-BE49-F238E27FC236}">
-                <a16:creationId xmlns:a16="http://schemas.microsoft.com/office/drawing/2014/main" xmlns="" id="{A4293697-6E2C-4331-B4E1-C58B355192F4}"/>
+                <a16:creationId xmlns:a16="http://schemas.microsoft.com/office/drawing/2014/main" id="{A4293697-6E2C-4331-B4E1-C58B355192F4}"/>
               </a:ext>
             </a:extLst>
           </p:cNvPr>
@@ -7124,7 +7169,7 @@
           <p:cNvPr id="6" name="Picture 5" descr="A close up of a logo&#10;&#10;Description automatically generated">
             <a:extLst>
               <a:ext uri="{FF2B5EF4-FFF2-40B4-BE49-F238E27FC236}">
-                <a16:creationId xmlns:a16="http://schemas.microsoft.com/office/drawing/2014/main" xmlns="" id="{08D8E659-ABBD-4E58-8353-D33866EBB3E6}"/>
+                <a16:creationId xmlns:a16="http://schemas.microsoft.com/office/drawing/2014/main" id="{08D8E659-ABBD-4E58-8353-D33866EBB3E6}"/>
               </a:ext>
             </a:extLst>
           </p:cNvPr>
@@ -7160,7 +7205,7 @@
           <p:cNvPr id="7" name="Rectangle 6">
             <a:extLst>
               <a:ext uri="{FF2B5EF4-FFF2-40B4-BE49-F238E27FC236}">
-                <a16:creationId xmlns:a16="http://schemas.microsoft.com/office/drawing/2014/main" xmlns="" id="{D14CB69A-0424-4C01-A311-B65E140C5B4A}"/>
+                <a16:creationId xmlns:a16="http://schemas.microsoft.com/office/drawing/2014/main" id="{D14CB69A-0424-4C01-A311-B65E140C5B4A}"/>
               </a:ext>
             </a:extLst>
           </p:cNvPr>
@@ -7811,7 +7856,7 @@
           <p:cNvPr id="8" name="Straight Connector 7">
             <a:extLst>
               <a:ext uri="{FF2B5EF4-FFF2-40B4-BE49-F238E27FC236}">
-                <a16:creationId xmlns:a16="http://schemas.microsoft.com/office/drawing/2014/main" xmlns="" id="{A4293697-6E2C-4331-B4E1-C58B355192F4}"/>
+                <a16:creationId xmlns:a16="http://schemas.microsoft.com/office/drawing/2014/main" id="{A4293697-6E2C-4331-B4E1-C58B355192F4}"/>
               </a:ext>
             </a:extLst>
           </p:cNvPr>
@@ -7854,7 +7899,7 @@
           <p:cNvPr id="6" name="Picture 5" descr="A close up of a logo&#10;&#10;Description automatically generated">
             <a:extLst>
               <a:ext uri="{FF2B5EF4-FFF2-40B4-BE49-F238E27FC236}">
-                <a16:creationId xmlns:a16="http://schemas.microsoft.com/office/drawing/2014/main" xmlns="" id="{08D8E659-ABBD-4E58-8353-D33866EBB3E6}"/>
+                <a16:creationId xmlns:a16="http://schemas.microsoft.com/office/drawing/2014/main" id="{08D8E659-ABBD-4E58-8353-D33866EBB3E6}"/>
               </a:ext>
             </a:extLst>
           </p:cNvPr>
@@ -7890,7 +7935,7 @@
           <p:cNvPr id="7" name="Rectangle 6">
             <a:extLst>
               <a:ext uri="{FF2B5EF4-FFF2-40B4-BE49-F238E27FC236}">
-                <a16:creationId xmlns:a16="http://schemas.microsoft.com/office/drawing/2014/main" xmlns="" id="{D14CB69A-0424-4C01-A311-B65E140C5B4A}"/>
+                <a16:creationId xmlns:a16="http://schemas.microsoft.com/office/drawing/2014/main" id="{D14CB69A-0424-4C01-A311-B65E140C5B4A}"/>
               </a:ext>
             </a:extLst>
           </p:cNvPr>
@@ -8478,7 +8523,7 @@
           <p:cNvPr id="14" name="Straight Connector 13">
             <a:extLst>
               <a:ext uri="{FF2B5EF4-FFF2-40B4-BE49-F238E27FC236}">
-                <a16:creationId xmlns:a16="http://schemas.microsoft.com/office/drawing/2014/main" xmlns="" id="{44FD96A8-0571-4828-AA94-7DB93A4857C5}"/>
+                <a16:creationId xmlns:a16="http://schemas.microsoft.com/office/drawing/2014/main" id="{44FD96A8-0571-4828-AA94-7DB93A4857C5}"/>
               </a:ext>
             </a:extLst>
           </p:cNvPr>
@@ -8521,7 +8566,7 @@
           <p:cNvPr id="16" name="Rectangle 15">
             <a:extLst>
               <a:ext uri="{FF2B5EF4-FFF2-40B4-BE49-F238E27FC236}">
-                <a16:creationId xmlns:a16="http://schemas.microsoft.com/office/drawing/2014/main" xmlns="" id="{32465F97-45E8-4475-81F0-E171C116B224}"/>
+                <a16:creationId xmlns:a16="http://schemas.microsoft.com/office/drawing/2014/main" id="{32465F97-45E8-4475-81F0-E171C116B224}"/>
               </a:ext>
             </a:extLst>
           </p:cNvPr>
@@ -8544,11 +8589,11 @@
           <a:lstStyle/>
           <a:p>
             <a:r>
-              <a:rPr lang="en-US" sz="2400" b="1" dirty="0" err="1" smtClean="0"/>
+              <a:rPr lang="en-US" sz="2400" b="1" dirty="0" err="1"/>
               <a:t>Asha</a:t>
             </a:r>
             <a:r>
-              <a:rPr lang="en-US" sz="2400" b="1" dirty="0" smtClean="0"/>
+              <a:rPr lang="en-US" sz="2400" b="1" dirty="0"/>
               <a:t> A</a:t>
             </a:r>
             <a:endParaRPr lang="en-IN" sz="2400" b="1" dirty="0"/>
@@ -8560,7 +8605,7 @@
           <p:cNvPr id="17" name="Rectangle 16">
             <a:extLst>
               <a:ext uri="{FF2B5EF4-FFF2-40B4-BE49-F238E27FC236}">
-                <a16:creationId xmlns:a16="http://schemas.microsoft.com/office/drawing/2014/main" xmlns="" id="{62AC1A6C-10C2-4695-9224-09DA1B0D5932}"/>
+                <a16:creationId xmlns:a16="http://schemas.microsoft.com/office/drawing/2014/main" id="{62AC1A6C-10C2-4695-9224-09DA1B0D5932}"/>
               </a:ext>
             </a:extLst>
           </p:cNvPr>
@@ -8595,7 +8640,7 @@
           <p:cNvPr id="23" name="Group 22">
             <a:extLst>
               <a:ext uri="{FF2B5EF4-FFF2-40B4-BE49-F238E27FC236}">
-                <a16:creationId xmlns:a16="http://schemas.microsoft.com/office/drawing/2014/main" xmlns="" id="{6DD8DCC0-549E-48DB-8CCA-E3FF8FBDEBF0}"/>
+                <a16:creationId xmlns:a16="http://schemas.microsoft.com/office/drawing/2014/main" id="{6DD8DCC0-549E-48DB-8CCA-E3FF8FBDEBF0}"/>
               </a:ext>
             </a:extLst>
           </p:cNvPr>
@@ -8621,7 +8666,7 @@
             <p:cNvPr id="24" name="Rectangle 23">
               <a:extLst>
                 <a:ext uri="{FF2B5EF4-FFF2-40B4-BE49-F238E27FC236}">
-                  <a16:creationId xmlns:a16="http://schemas.microsoft.com/office/drawing/2014/main" xmlns="" id="{B895392A-2454-40A6-9F7C-BC20D3A463EB}"/>
+                  <a16:creationId xmlns:a16="http://schemas.microsoft.com/office/drawing/2014/main" id="{B895392A-2454-40A6-9F7C-BC20D3A463EB}"/>
                 </a:ext>
               </a:extLst>
             </p:cNvPr>
@@ -8671,7 +8716,7 @@
             <p:cNvPr id="25" name="Rectangle 24">
               <a:extLst>
                 <a:ext uri="{FF2B5EF4-FFF2-40B4-BE49-F238E27FC236}">
-                  <a16:creationId xmlns:a16="http://schemas.microsoft.com/office/drawing/2014/main" xmlns="" id="{DC7604FF-DE88-44B6-A0D9-723028500B8B}"/>
+                  <a16:creationId xmlns:a16="http://schemas.microsoft.com/office/drawing/2014/main" id="{DC7604FF-DE88-44B6-A0D9-723028500B8B}"/>
                 </a:ext>
               </a:extLst>
             </p:cNvPr>
@@ -8721,7 +8766,7 @@
             <p:cNvPr id="26" name="Rectangle 25">
               <a:extLst>
                 <a:ext uri="{FF2B5EF4-FFF2-40B4-BE49-F238E27FC236}">
-                  <a16:creationId xmlns:a16="http://schemas.microsoft.com/office/drawing/2014/main" xmlns="" id="{35F4DC18-13F2-43D2-9B15-157998AF1875}"/>
+                  <a16:creationId xmlns:a16="http://schemas.microsoft.com/office/drawing/2014/main" id="{35F4DC18-13F2-43D2-9B15-157998AF1875}"/>
                 </a:ext>
               </a:extLst>
             </p:cNvPr>
@@ -8771,7 +8816,7 @@
             <p:cNvPr id="27" name="Rectangle 26">
               <a:extLst>
                 <a:ext uri="{FF2B5EF4-FFF2-40B4-BE49-F238E27FC236}">
-                  <a16:creationId xmlns:a16="http://schemas.microsoft.com/office/drawing/2014/main" xmlns="" id="{34375A76-1BF8-4628-B0FE-78E1BEB569B2}"/>
+                  <a16:creationId xmlns:a16="http://schemas.microsoft.com/office/drawing/2014/main" id="{34375A76-1BF8-4628-B0FE-78E1BEB569B2}"/>
                 </a:ext>
               </a:extLst>
             </p:cNvPr>
@@ -8822,7 +8867,7 @@
           <p:cNvPr id="13" name="Picture 12" descr="A close up of a logo&#10;&#10;Description automatically generated">
             <a:extLst>
               <a:ext uri="{FF2B5EF4-FFF2-40B4-BE49-F238E27FC236}">
-                <a16:creationId xmlns:a16="http://schemas.microsoft.com/office/drawing/2014/main" xmlns="" id="{DBF62E6F-20D6-4DF2-A881-ECD3EEB1A24C}"/>
+                <a16:creationId xmlns:a16="http://schemas.microsoft.com/office/drawing/2014/main" id="{DBF62E6F-20D6-4DF2-A881-ECD3EEB1A24C}"/>
               </a:ext>
             </a:extLst>
           </p:cNvPr>
@@ -8858,7 +8903,7 @@
           <p:cNvPr id="19" name="Rectangle 18">
             <a:extLst>
               <a:ext uri="{FF2B5EF4-FFF2-40B4-BE49-F238E27FC236}">
-                <a16:creationId xmlns:a16="http://schemas.microsoft.com/office/drawing/2014/main" xmlns="" id="{A6945700-3E62-4469-A35D-2B3AE23A08DF}"/>
+                <a16:creationId xmlns:a16="http://schemas.microsoft.com/office/drawing/2014/main" id="{A6945700-3E62-4469-A35D-2B3AE23A08DF}"/>
               </a:ext>
             </a:extLst>
           </p:cNvPr>
@@ -8938,7 +8983,7 @@
           <p:cNvPr id="22" name="Rectangle 21">
             <a:extLst>
               <a:ext uri="{FF2B5EF4-FFF2-40B4-BE49-F238E27FC236}">
-                <a16:creationId xmlns:a16="http://schemas.microsoft.com/office/drawing/2014/main" xmlns="" id="{620A7DEA-950C-4954-B3B7-2672370FABF4}"/>
+                <a16:creationId xmlns:a16="http://schemas.microsoft.com/office/drawing/2014/main" id="{620A7DEA-950C-4954-B3B7-2672370FABF4}"/>
               </a:ext>
             </a:extLst>
           </p:cNvPr>
@@ -8984,7 +9029,7 @@
           <p:cNvPr id="8" name="Straight Connector 7">
             <a:extLst>
               <a:ext uri="{FF2B5EF4-FFF2-40B4-BE49-F238E27FC236}">
-                <a16:creationId xmlns:a16="http://schemas.microsoft.com/office/drawing/2014/main" xmlns="" id="{A4293697-6E2C-4331-B4E1-C58B355192F4}"/>
+                <a16:creationId xmlns:a16="http://schemas.microsoft.com/office/drawing/2014/main" id="{A4293697-6E2C-4331-B4E1-C58B355192F4}"/>
               </a:ext>
             </a:extLst>
           </p:cNvPr>
@@ -9027,7 +9072,7 @@
           <p:cNvPr id="6" name="Picture 5" descr="A close up of a logo&#10;&#10;Description automatically generated">
             <a:extLst>
               <a:ext uri="{FF2B5EF4-FFF2-40B4-BE49-F238E27FC236}">
-                <a16:creationId xmlns:a16="http://schemas.microsoft.com/office/drawing/2014/main" xmlns="" id="{08D8E659-ABBD-4E58-8353-D33866EBB3E6}"/>
+                <a16:creationId xmlns:a16="http://schemas.microsoft.com/office/drawing/2014/main" id="{08D8E659-ABBD-4E58-8353-D33866EBB3E6}"/>
               </a:ext>
             </a:extLst>
           </p:cNvPr>
@@ -9063,7 +9108,7 @@
           <p:cNvPr id="9" name="Content Placeholder 2">
             <a:extLst>
               <a:ext uri="{FF2B5EF4-FFF2-40B4-BE49-F238E27FC236}">
-                <a16:creationId xmlns:a16="http://schemas.microsoft.com/office/drawing/2014/main" xmlns="" id="{B1AEBD28-7BCD-4BFF-8D86-9C5F49398112}"/>
+                <a16:creationId xmlns:a16="http://schemas.microsoft.com/office/drawing/2014/main" id="{B1AEBD28-7BCD-4BFF-8D86-9C5F49398112}"/>
               </a:ext>
             </a:extLst>
           </p:cNvPr>
@@ -9214,7 +9259,7 @@
           <p:cNvPr id="8" name="Straight Connector 7">
             <a:extLst>
               <a:ext uri="{FF2B5EF4-FFF2-40B4-BE49-F238E27FC236}">
-                <a16:creationId xmlns:a16="http://schemas.microsoft.com/office/drawing/2014/main" xmlns="" id="{A4293697-6E2C-4331-B4E1-C58B355192F4}"/>
+                <a16:creationId xmlns:a16="http://schemas.microsoft.com/office/drawing/2014/main" id="{A4293697-6E2C-4331-B4E1-C58B355192F4}"/>
               </a:ext>
             </a:extLst>
           </p:cNvPr>
@@ -9257,7 +9302,7 @@
           <p:cNvPr id="6" name="Picture 5" descr="A close up of a logo&#10;&#10;Description automatically generated">
             <a:extLst>
               <a:ext uri="{FF2B5EF4-FFF2-40B4-BE49-F238E27FC236}">
-                <a16:creationId xmlns:a16="http://schemas.microsoft.com/office/drawing/2014/main" xmlns="" id="{08D8E659-ABBD-4E58-8353-D33866EBB3E6}"/>
+                <a16:creationId xmlns:a16="http://schemas.microsoft.com/office/drawing/2014/main" id="{08D8E659-ABBD-4E58-8353-D33866EBB3E6}"/>
               </a:ext>
             </a:extLst>
           </p:cNvPr>
@@ -9293,7 +9338,7 @@
           <p:cNvPr id="7" name="Rectangle 6">
             <a:extLst>
               <a:ext uri="{FF2B5EF4-FFF2-40B4-BE49-F238E27FC236}">
-                <a16:creationId xmlns:a16="http://schemas.microsoft.com/office/drawing/2014/main" xmlns="" id="{D14CB69A-0424-4C01-A311-B65E140C5B4A}"/>
+                <a16:creationId xmlns:a16="http://schemas.microsoft.com/office/drawing/2014/main" id="{D14CB69A-0424-4C01-A311-B65E140C5B4A}"/>
               </a:ext>
             </a:extLst>
           </p:cNvPr>
@@ -9683,7 +9728,7 @@
           <p:cNvPr id="14" name="Straight Connector 13">
             <a:extLst>
               <a:ext uri="{FF2B5EF4-FFF2-40B4-BE49-F238E27FC236}">
-                <a16:creationId xmlns:a16="http://schemas.microsoft.com/office/drawing/2014/main" xmlns="" id="{A4293697-6E2C-4331-B4E1-C58B355192F4}"/>
+                <a16:creationId xmlns:a16="http://schemas.microsoft.com/office/drawing/2014/main" id="{A4293697-6E2C-4331-B4E1-C58B355192F4}"/>
               </a:ext>
             </a:extLst>
           </p:cNvPr>
@@ -9917,7 +9962,7 @@
           <p:cNvPr id="8" name="Straight Connector 7">
             <a:extLst>
               <a:ext uri="{FF2B5EF4-FFF2-40B4-BE49-F238E27FC236}">
-                <a16:creationId xmlns:a16="http://schemas.microsoft.com/office/drawing/2014/main" xmlns="" id="{A4293697-6E2C-4331-B4E1-C58B355192F4}"/>
+                <a16:creationId xmlns:a16="http://schemas.microsoft.com/office/drawing/2014/main" id="{A4293697-6E2C-4331-B4E1-C58B355192F4}"/>
               </a:ext>
             </a:extLst>
           </p:cNvPr>
@@ -9960,7 +10005,7 @@
           <p:cNvPr id="6" name="Picture 5" descr="A close up of a logo&#10;&#10;Description automatically generated">
             <a:extLst>
               <a:ext uri="{FF2B5EF4-FFF2-40B4-BE49-F238E27FC236}">
-                <a16:creationId xmlns:a16="http://schemas.microsoft.com/office/drawing/2014/main" xmlns="" id="{08D8E659-ABBD-4E58-8353-D33866EBB3E6}"/>
+                <a16:creationId xmlns:a16="http://schemas.microsoft.com/office/drawing/2014/main" id="{08D8E659-ABBD-4E58-8353-D33866EBB3E6}"/>
               </a:ext>
             </a:extLst>
           </p:cNvPr>
@@ -9996,7 +10041,7 @@
           <p:cNvPr id="7" name="Rectangle 6">
             <a:extLst>
               <a:ext uri="{FF2B5EF4-FFF2-40B4-BE49-F238E27FC236}">
-                <a16:creationId xmlns:a16="http://schemas.microsoft.com/office/drawing/2014/main" xmlns="" id="{D14CB69A-0424-4C01-A311-B65E140C5B4A}"/>
+                <a16:creationId xmlns:a16="http://schemas.microsoft.com/office/drawing/2014/main" id="{D14CB69A-0424-4C01-A311-B65E140C5B4A}"/>
               </a:ext>
             </a:extLst>
           </p:cNvPr>
@@ -10386,7 +10431,7 @@
           <p:cNvPr id="14" name="Straight Connector 13">
             <a:extLst>
               <a:ext uri="{FF2B5EF4-FFF2-40B4-BE49-F238E27FC236}">
-                <a16:creationId xmlns:a16="http://schemas.microsoft.com/office/drawing/2014/main" xmlns="" id="{A4293697-6E2C-4331-B4E1-C58B355192F4}"/>
+                <a16:creationId xmlns:a16="http://schemas.microsoft.com/office/drawing/2014/main" id="{A4293697-6E2C-4331-B4E1-C58B355192F4}"/>
               </a:ext>
             </a:extLst>
           </p:cNvPr>
@@ -10564,7 +10609,7 @@
           <p:cNvPr id="2" name="Picture 2" descr="Types of Polymer Matrix – Coventive Composites">
             <a:extLst>
               <a:ext uri="{FF2B5EF4-FFF2-40B4-BE49-F238E27FC236}">
-                <a16:creationId xmlns:a16="http://schemas.microsoft.com/office/drawing/2014/main" xmlns="" id="{BAF910E1-1486-4BEB-A979-707F6F2BC254}"/>
+                <a16:creationId xmlns:a16="http://schemas.microsoft.com/office/drawing/2014/main" id="{BAF910E1-1486-4BEB-A979-707F6F2BC254}"/>
               </a:ext>
             </a:extLst>
           </p:cNvPr>
@@ -10596,7 +10641,7 @@
           <p:cNvPr id="3" name="Rectangle 2">
             <a:extLst>
               <a:ext uri="{FF2B5EF4-FFF2-40B4-BE49-F238E27FC236}">
-                <a16:creationId xmlns:a16="http://schemas.microsoft.com/office/drawing/2014/main" xmlns="" id="{971BE8ED-5AFC-4A95-866B-AFD31789EC6C}"/>
+                <a16:creationId xmlns:a16="http://schemas.microsoft.com/office/drawing/2014/main" id="{971BE8ED-5AFC-4A95-866B-AFD31789EC6C}"/>
               </a:ext>
             </a:extLst>
           </p:cNvPr>
@@ -10660,7 +10705,7 @@
           <p:cNvPr id="8" name="Straight Connector 7">
             <a:extLst>
               <a:ext uri="{FF2B5EF4-FFF2-40B4-BE49-F238E27FC236}">
-                <a16:creationId xmlns:a16="http://schemas.microsoft.com/office/drawing/2014/main" xmlns="" id="{A4293697-6E2C-4331-B4E1-C58B355192F4}"/>
+                <a16:creationId xmlns:a16="http://schemas.microsoft.com/office/drawing/2014/main" id="{A4293697-6E2C-4331-B4E1-C58B355192F4}"/>
               </a:ext>
             </a:extLst>
           </p:cNvPr>
@@ -10703,7 +10748,7 @@
           <p:cNvPr id="6" name="Picture 5" descr="A close up of a logo&#10;&#10;Description automatically generated">
             <a:extLst>
               <a:ext uri="{FF2B5EF4-FFF2-40B4-BE49-F238E27FC236}">
-                <a16:creationId xmlns:a16="http://schemas.microsoft.com/office/drawing/2014/main" xmlns="" id="{08D8E659-ABBD-4E58-8353-D33866EBB3E6}"/>
+                <a16:creationId xmlns:a16="http://schemas.microsoft.com/office/drawing/2014/main" id="{08D8E659-ABBD-4E58-8353-D33866EBB3E6}"/>
               </a:ext>
             </a:extLst>
           </p:cNvPr>
@@ -10739,7 +10784,7 @@
           <p:cNvPr id="7" name="Rectangle 6">
             <a:extLst>
               <a:ext uri="{FF2B5EF4-FFF2-40B4-BE49-F238E27FC236}">
-                <a16:creationId xmlns:a16="http://schemas.microsoft.com/office/drawing/2014/main" xmlns="" id="{D14CB69A-0424-4C01-A311-B65E140C5B4A}"/>
+                <a16:creationId xmlns:a16="http://schemas.microsoft.com/office/drawing/2014/main" id="{D14CB69A-0424-4C01-A311-B65E140C5B4A}"/>
               </a:ext>
             </a:extLst>
           </p:cNvPr>
@@ -11129,7 +11174,7 @@
           <p:cNvPr id="14" name="Straight Connector 13">
             <a:extLst>
               <a:ext uri="{FF2B5EF4-FFF2-40B4-BE49-F238E27FC236}">
-                <a16:creationId xmlns:a16="http://schemas.microsoft.com/office/drawing/2014/main" xmlns="" id="{A4293697-6E2C-4331-B4E1-C58B355192F4}"/>
+                <a16:creationId xmlns:a16="http://schemas.microsoft.com/office/drawing/2014/main" id="{A4293697-6E2C-4331-B4E1-C58B355192F4}"/>
               </a:ext>
             </a:extLst>
           </p:cNvPr>
@@ -11238,7 +11283,6 @@
               <a:rPr lang="en-IN" sz="2000" dirty="0"/>
               <a:t> </a:t>
             </a:r>
-            <a:endParaRPr lang="en-IN" sz="2000" dirty="0" smtClean="0"/>
           </a:p>
           <a:p>
             <a:pPr marL="0" indent="0" algn="just" eaLnBrk="1" hangingPunct="1">
@@ -11262,11 +11306,7 @@
             </a:r>
             <a:r>
               <a:rPr lang="en-US" sz="2000" dirty="0"/>
-              <a:t>are more </a:t>
-            </a:r>
-            <a:r>
-              <a:rPr lang="en-US" sz="2000" dirty="0" smtClean="0"/>
-              <a:t>crystalline</a:t>
+              <a:t>are more crystalline</a:t>
             </a:r>
           </a:p>
           <a:p>
@@ -11333,7 +11373,7 @@
           <p:cNvPr id="1026" name="Picture 2" descr="ENS 205 Materials Science I Chapter 13: Polymers - ppt video online download">
             <a:extLst>
               <a:ext uri="{FF2B5EF4-FFF2-40B4-BE49-F238E27FC236}">
-                <a16:creationId xmlns:a16="http://schemas.microsoft.com/office/drawing/2014/main" xmlns="" id="{4672376F-2310-4EB7-AA9F-5152EB928999}"/>
+                <a16:creationId xmlns:a16="http://schemas.microsoft.com/office/drawing/2014/main" id="{4672376F-2310-4EB7-AA9F-5152EB928999}"/>
               </a:ext>
             </a:extLst>
           </p:cNvPr>
@@ -11378,7 +11418,7 @@
           <p:cNvPr id="8" name="Straight Connector 7">
             <a:extLst>
               <a:ext uri="{FF2B5EF4-FFF2-40B4-BE49-F238E27FC236}">
-                <a16:creationId xmlns:a16="http://schemas.microsoft.com/office/drawing/2014/main" xmlns="" id="{A4293697-6E2C-4331-B4E1-C58B355192F4}"/>
+                <a16:creationId xmlns:a16="http://schemas.microsoft.com/office/drawing/2014/main" id="{A4293697-6E2C-4331-B4E1-C58B355192F4}"/>
               </a:ext>
             </a:extLst>
           </p:cNvPr>
@@ -11421,7 +11461,7 @@
           <p:cNvPr id="6" name="Picture 5" descr="A close up of a logo&#10;&#10;Description automatically generated">
             <a:extLst>
               <a:ext uri="{FF2B5EF4-FFF2-40B4-BE49-F238E27FC236}">
-                <a16:creationId xmlns:a16="http://schemas.microsoft.com/office/drawing/2014/main" xmlns="" id="{08D8E659-ABBD-4E58-8353-D33866EBB3E6}"/>
+                <a16:creationId xmlns:a16="http://schemas.microsoft.com/office/drawing/2014/main" id="{08D8E659-ABBD-4E58-8353-D33866EBB3E6}"/>
               </a:ext>
             </a:extLst>
           </p:cNvPr>
@@ -11457,7 +11497,7 @@
           <p:cNvPr id="7" name="Rectangle 6">
             <a:extLst>
               <a:ext uri="{FF2B5EF4-FFF2-40B4-BE49-F238E27FC236}">
-                <a16:creationId xmlns:a16="http://schemas.microsoft.com/office/drawing/2014/main" xmlns="" id="{D14CB69A-0424-4C01-A311-B65E140C5B4A}"/>
+                <a16:creationId xmlns:a16="http://schemas.microsoft.com/office/drawing/2014/main" id="{D14CB69A-0424-4C01-A311-B65E140C5B4A}"/>
               </a:ext>
             </a:extLst>
           </p:cNvPr>
@@ -11847,7 +11887,7 @@
           <p:cNvPr id="14" name="Straight Connector 13">
             <a:extLst>
               <a:ext uri="{FF2B5EF4-FFF2-40B4-BE49-F238E27FC236}">
-                <a16:creationId xmlns:a16="http://schemas.microsoft.com/office/drawing/2014/main" xmlns="" id="{A4293697-6E2C-4331-B4E1-C58B355192F4}"/>
+                <a16:creationId xmlns:a16="http://schemas.microsoft.com/office/drawing/2014/main" id="{A4293697-6E2C-4331-B4E1-C58B355192F4}"/>
               </a:ext>
             </a:extLst>
           </p:cNvPr>
@@ -11890,7 +11930,7 @@
           <p:cNvPr id="15" name="TextBox 14">
             <a:extLst>
               <a:ext uri="{FF2B5EF4-FFF2-40B4-BE49-F238E27FC236}">
-                <a16:creationId xmlns:a16="http://schemas.microsoft.com/office/drawing/2014/main" xmlns="" id="{705CB116-BE63-4E51-BDD4-CD21273954EA}"/>
+                <a16:creationId xmlns:a16="http://schemas.microsoft.com/office/drawing/2014/main" id="{705CB116-BE63-4E51-BDD4-CD21273954EA}"/>
               </a:ext>
             </a:extLst>
           </p:cNvPr>
@@ -12004,15 +12044,7 @@
                   <a:srgbClr val="C42ABD"/>
                 </a:solidFill>
               </a:rPr>
-              <a:t>least </a:t>
-            </a:r>
-            <a:r>
-              <a:rPr lang="en-US" sz="2000" b="1" dirty="0" smtClean="0">
-                <a:solidFill>
-                  <a:srgbClr val="C42ABD"/>
-                </a:solidFill>
-              </a:rPr>
-              <a:t>crystalline</a:t>
+              <a:t>least crystalline</a:t>
             </a:r>
           </a:p>
           <a:p>
@@ -12021,7 +12053,7 @@
               <a:buChar char="•"/>
             </a:pPr>
             <a:r>
-              <a:rPr lang="en-IN" sz="2000" dirty="0" smtClean="0"/>
+              <a:rPr lang="en-IN" sz="2000" dirty="0"/>
               <a:t>High </a:t>
             </a:r>
             <a:r>
@@ -12051,7 +12083,7 @@
           <p:cNvPr id="17" name="TextBox 16">
             <a:extLst>
               <a:ext uri="{FF2B5EF4-FFF2-40B4-BE49-F238E27FC236}">
-                <a16:creationId xmlns:a16="http://schemas.microsoft.com/office/drawing/2014/main" xmlns="" id="{1D38B777-B6BA-404B-A96F-550B66027484}"/>
+                <a16:creationId xmlns:a16="http://schemas.microsoft.com/office/drawing/2014/main" id="{1D38B777-B6BA-404B-A96F-550B66027484}"/>
               </a:ext>
             </a:extLst>
           </p:cNvPr>
@@ -12146,7 +12178,7 @@
           <p:cNvPr id="8" name="Straight Connector 7">
             <a:extLst>
               <a:ext uri="{FF2B5EF4-FFF2-40B4-BE49-F238E27FC236}">
-                <a16:creationId xmlns:a16="http://schemas.microsoft.com/office/drawing/2014/main" xmlns="" id="{A4293697-6E2C-4331-B4E1-C58B355192F4}"/>
+                <a16:creationId xmlns:a16="http://schemas.microsoft.com/office/drawing/2014/main" id="{A4293697-6E2C-4331-B4E1-C58B355192F4}"/>
               </a:ext>
             </a:extLst>
           </p:cNvPr>
@@ -12189,7 +12221,7 @@
           <p:cNvPr id="6" name="Picture 5" descr="A close up of a logo&#10;&#10;Description automatically generated">
             <a:extLst>
               <a:ext uri="{FF2B5EF4-FFF2-40B4-BE49-F238E27FC236}">
-                <a16:creationId xmlns:a16="http://schemas.microsoft.com/office/drawing/2014/main" xmlns="" id="{08D8E659-ABBD-4E58-8353-D33866EBB3E6}"/>
+                <a16:creationId xmlns:a16="http://schemas.microsoft.com/office/drawing/2014/main" id="{08D8E659-ABBD-4E58-8353-D33866EBB3E6}"/>
               </a:ext>
             </a:extLst>
           </p:cNvPr>
@@ -12225,7 +12257,7 @@
           <p:cNvPr id="7" name="Rectangle 6">
             <a:extLst>
               <a:ext uri="{FF2B5EF4-FFF2-40B4-BE49-F238E27FC236}">
-                <a16:creationId xmlns:a16="http://schemas.microsoft.com/office/drawing/2014/main" xmlns="" id="{D14CB69A-0424-4C01-A311-B65E140C5B4A}"/>
+                <a16:creationId xmlns:a16="http://schemas.microsoft.com/office/drawing/2014/main" id="{D14CB69A-0424-4C01-A311-B65E140C5B4A}"/>
               </a:ext>
             </a:extLst>
           </p:cNvPr>
@@ -12829,7 +12861,7 @@
           <p:cNvPr id="8" name="Straight Connector 7">
             <a:extLst>
               <a:ext uri="{FF2B5EF4-FFF2-40B4-BE49-F238E27FC236}">
-                <a16:creationId xmlns:a16="http://schemas.microsoft.com/office/drawing/2014/main" xmlns="" id="{A4293697-6E2C-4331-B4E1-C58B355192F4}"/>
+                <a16:creationId xmlns:a16="http://schemas.microsoft.com/office/drawing/2014/main" id="{A4293697-6E2C-4331-B4E1-C58B355192F4}"/>
               </a:ext>
             </a:extLst>
           </p:cNvPr>
@@ -12872,7 +12904,7 @@
           <p:cNvPr id="6" name="Picture 5" descr="A close up of a logo&#10;&#10;Description automatically generated">
             <a:extLst>
               <a:ext uri="{FF2B5EF4-FFF2-40B4-BE49-F238E27FC236}">
-                <a16:creationId xmlns:a16="http://schemas.microsoft.com/office/drawing/2014/main" xmlns="" id="{08D8E659-ABBD-4E58-8353-D33866EBB3E6}"/>
+                <a16:creationId xmlns:a16="http://schemas.microsoft.com/office/drawing/2014/main" id="{08D8E659-ABBD-4E58-8353-D33866EBB3E6}"/>
               </a:ext>
             </a:extLst>
           </p:cNvPr>
@@ -12908,7 +12940,7 @@
           <p:cNvPr id="7" name="Rectangle 6">
             <a:extLst>
               <a:ext uri="{FF2B5EF4-FFF2-40B4-BE49-F238E27FC236}">
-                <a16:creationId xmlns:a16="http://schemas.microsoft.com/office/drawing/2014/main" xmlns="" id="{D14CB69A-0424-4C01-A311-B65E140C5B4A}"/>
+                <a16:creationId xmlns:a16="http://schemas.microsoft.com/office/drawing/2014/main" id="{D14CB69A-0424-4C01-A311-B65E140C5B4A}"/>
               </a:ext>
             </a:extLst>
           </p:cNvPr>
@@ -13493,7 +13525,7 @@
           <p:cNvPr id="8" name="Straight Connector 7">
             <a:extLst>
               <a:ext uri="{FF2B5EF4-FFF2-40B4-BE49-F238E27FC236}">
-                <a16:creationId xmlns:a16="http://schemas.microsoft.com/office/drawing/2014/main" xmlns="" id="{A4293697-6E2C-4331-B4E1-C58B355192F4}"/>
+                <a16:creationId xmlns:a16="http://schemas.microsoft.com/office/drawing/2014/main" id="{A4293697-6E2C-4331-B4E1-C58B355192F4}"/>
               </a:ext>
             </a:extLst>
           </p:cNvPr>
@@ -13536,7 +13568,7 @@
           <p:cNvPr id="6" name="Picture 5" descr="A close up of a logo&#10;&#10;Description automatically generated">
             <a:extLst>
               <a:ext uri="{FF2B5EF4-FFF2-40B4-BE49-F238E27FC236}">
-                <a16:creationId xmlns:a16="http://schemas.microsoft.com/office/drawing/2014/main" xmlns="" id="{08D8E659-ABBD-4E58-8353-D33866EBB3E6}"/>
+                <a16:creationId xmlns:a16="http://schemas.microsoft.com/office/drawing/2014/main" id="{08D8E659-ABBD-4E58-8353-D33866EBB3E6}"/>
               </a:ext>
             </a:extLst>
           </p:cNvPr>
@@ -13572,7 +13604,7 @@
           <p:cNvPr id="7" name="Rectangle 6">
             <a:extLst>
               <a:ext uri="{FF2B5EF4-FFF2-40B4-BE49-F238E27FC236}">
-                <a16:creationId xmlns:a16="http://schemas.microsoft.com/office/drawing/2014/main" xmlns="" id="{D14CB69A-0424-4C01-A311-B65E140C5B4A}"/>
+                <a16:creationId xmlns:a16="http://schemas.microsoft.com/office/drawing/2014/main" id="{D14CB69A-0424-4C01-A311-B65E140C5B4A}"/>
               </a:ext>
             </a:extLst>
           </p:cNvPr>
@@ -14547,7 +14579,7 @@
   <a:extraClrSchemeLst/>
   <a:extLst>
     <a:ext uri="{05A4C25C-085E-4340-85A3-A5531E510DB2}">
-      <thm15:themeFamily xmlns:thm15="http://schemas.microsoft.com/office/thememl/2012/main" xmlns="" name="Office Theme" id="{62F939B6-93AF-4DB8-9C6B-D6C7DFDC589F}" vid="{4A3C46E8-61CC-4603-A589-7422A47A8E4A}"/>
+      <thm15:themeFamily xmlns:thm15="http://schemas.microsoft.com/office/thememl/2012/main" name="Office Theme" id="{62F939B6-93AF-4DB8-9C6B-D6C7DFDC589F}" vid="{4A3C46E8-61CC-4603-A589-7422A47A8E4A}"/>
     </a:ext>
   </a:extLst>
 </a:theme>
